--- a/Lab2/樹莓派-電子鋼琴.pptx
+++ b/Lab2/樹莓派-電子鋼琴.pptx
@@ -11,13 +11,14 @@
     <p:sldId id="268" r:id="rId5"/>
     <p:sldId id="290" r:id="rId6"/>
     <p:sldId id="269" r:id="rId7"/>
-    <p:sldId id="274" r:id="rId8"/>
-    <p:sldId id="276" r:id="rId9"/>
-    <p:sldId id="277" r:id="rId10"/>
-    <p:sldId id="278" r:id="rId11"/>
-    <p:sldId id="282" r:id="rId12"/>
-    <p:sldId id="281" r:id="rId13"/>
-    <p:sldId id="280" r:id="rId14"/>
+    <p:sldId id="291" r:id="rId8"/>
+    <p:sldId id="274" r:id="rId9"/>
+    <p:sldId id="276" r:id="rId10"/>
+    <p:sldId id="277" r:id="rId11"/>
+    <p:sldId id="278" r:id="rId12"/>
+    <p:sldId id="282" r:id="rId13"/>
+    <p:sldId id="281" r:id="rId14"/>
+    <p:sldId id="280" r:id="rId15"/>
   </p:sldIdLst>
   <p:sldSz cx="9144000" cy="6858000" type="screen4x3"/>
   <p:notesSz cx="9928225" cy="6797675"/>
@@ -195,7 +196,7 @@
           <a:p>
             <a:fld id="{E4BF5A21-DF4F-47ED-ABA1-788C963031EC}" type="datetime1">
               <a:rPr lang="zh-TW" altLang="en-US" smtClean="0"/>
-              <a:t>2020/8/11</a:t>
+              <a:t>2020/9/11</a:t>
             </a:fld>
             <a:endParaRPr lang="zh-TW" altLang="en-US"/>
           </a:p>
@@ -406,7 +407,7 @@
           <a:p>
             <a:fld id="{50FF7138-04A0-4E24-967B-23A6E12DB29F}" type="datetime1">
               <a:rPr lang="zh-TW" altLang="en-US" smtClean="0"/>
-              <a:t>2020/8/11</a:t>
+              <a:t>2020/9/11</a:t>
             </a:fld>
             <a:endParaRPr lang="zh-TW" altLang="en-US"/>
           </a:p>
@@ -586,7 +587,7 @@
           <a:p>
             <a:fld id="{2EB534E6-1DFB-464F-B0A2-AF35ABBB74C0}" type="datetime1">
               <a:rPr lang="zh-TW" altLang="en-US" smtClean="0"/>
-              <a:t>2020/8/11</a:t>
+              <a:t>2020/9/11</a:t>
             </a:fld>
             <a:endParaRPr lang="zh-TW" altLang="en-US"/>
           </a:p>
@@ -756,7 +757,7 @@
           <a:p>
             <a:fld id="{B791120E-B1FE-4C25-B10E-F4EC069F919C}" type="datetime1">
               <a:rPr lang="zh-TW" altLang="en-US" smtClean="0"/>
-              <a:t>2020/8/11</a:t>
+              <a:t>2020/9/11</a:t>
             </a:fld>
             <a:endParaRPr lang="zh-TW" altLang="en-US"/>
           </a:p>
@@ -1007,7 +1008,7 @@
           <a:p>
             <a:fld id="{24E8FA1C-B619-457F-B1A4-0471E2504628}" type="datetime1">
               <a:rPr lang="zh-TW" altLang="en-US" smtClean="0"/>
-              <a:t>2020/8/11</a:t>
+              <a:t>2020/9/11</a:t>
             </a:fld>
             <a:endParaRPr lang="zh-TW" altLang="en-US"/>
           </a:p>
@@ -1239,7 +1240,7 @@
           <a:p>
             <a:fld id="{C69101B2-5507-48D7-95CC-4E9A19DB27F7}" type="datetime1">
               <a:rPr lang="zh-TW" altLang="en-US" smtClean="0"/>
-              <a:t>2020/8/11</a:t>
+              <a:t>2020/9/11</a:t>
             </a:fld>
             <a:endParaRPr lang="zh-TW" altLang="en-US"/>
           </a:p>
@@ -1606,7 +1607,7 @@
           <a:p>
             <a:fld id="{AC1DA532-5F83-4962-849B-33AC74653690}" type="datetime1">
               <a:rPr lang="zh-TW" altLang="en-US" smtClean="0"/>
-              <a:t>2020/8/11</a:t>
+              <a:t>2020/9/11</a:t>
             </a:fld>
             <a:endParaRPr lang="zh-TW" altLang="en-US"/>
           </a:p>
@@ -1724,7 +1725,7 @@
           <a:p>
             <a:fld id="{DB451EC3-B68E-4B0B-BEAA-0896C32BFB8A}" type="datetime1">
               <a:rPr lang="zh-TW" altLang="en-US" smtClean="0"/>
-              <a:t>2020/8/11</a:t>
+              <a:t>2020/9/11</a:t>
             </a:fld>
             <a:endParaRPr lang="zh-TW" altLang="en-US"/>
           </a:p>
@@ -1819,7 +1820,7 @@
           <a:p>
             <a:fld id="{B2CDD2C6-49EE-45D1-B5FB-272C419DE8CA}" type="datetime1">
               <a:rPr lang="zh-TW" altLang="en-US" smtClean="0"/>
-              <a:t>2020/8/11</a:t>
+              <a:t>2020/9/11</a:t>
             </a:fld>
             <a:endParaRPr lang="zh-TW" altLang="en-US"/>
           </a:p>
@@ -2096,7 +2097,7 @@
           <a:p>
             <a:fld id="{E9062DF3-F249-4D7C-BB70-63B32656E4B6}" type="datetime1">
               <a:rPr lang="zh-TW" altLang="en-US" smtClean="0"/>
-              <a:t>2020/8/11</a:t>
+              <a:t>2020/9/11</a:t>
             </a:fld>
             <a:endParaRPr lang="zh-TW" altLang="en-US"/>
           </a:p>
@@ -2353,7 +2354,7 @@
           <a:p>
             <a:fld id="{9AECE3C3-2616-441B-8153-A345A028DE03}" type="datetime1">
               <a:rPr lang="zh-TW" altLang="en-US" smtClean="0"/>
-              <a:t>2020/8/11</a:t>
+              <a:t>2020/9/11</a:t>
             </a:fld>
             <a:endParaRPr lang="zh-TW" altLang="en-US"/>
           </a:p>
@@ -2566,7 +2567,7 @@
           <a:p>
             <a:fld id="{342A4EEC-AD7F-48A0-A9E7-EDD9192DBE4B}" type="datetime1">
               <a:rPr lang="zh-TW" altLang="en-US" smtClean="0"/>
-              <a:t>2020/8/11</a:t>
+              <a:t>2020/9/11</a:t>
             </a:fld>
             <a:endParaRPr lang="zh-TW" altLang="en-US"/>
           </a:p>
@@ -3139,42 +3140,30 @@
           <a:p>
             <a:r>
               <a:rPr lang="zh-TW" altLang="en-US" sz="3600" dirty="0">
-                <a:latin typeface="思源黑體" panose="020B0500000000000000" pitchFamily="34" charset="-120"/>
                 <a:ea typeface="思源黑體" panose="020B0500000000000000" pitchFamily="34" charset="-120"/>
               </a:rPr>
               <a:t>樹莓派</a:t>
             </a:r>
             <a:r>
               <a:rPr lang="en-US" altLang="zh-TW" sz="3600" dirty="0">
-                <a:latin typeface="思源黑體" panose="020B0500000000000000" pitchFamily="34" charset="-120"/>
                 <a:ea typeface="思源黑體" panose="020B0500000000000000" pitchFamily="34" charset="-120"/>
               </a:rPr>
               <a:t>-</a:t>
             </a:r>
             <a:r>
-              <a:rPr lang="zh-TW" altLang="en-US" sz="3600" smtClean="0">
-                <a:latin typeface="思源黑體" panose="020B0500000000000000" pitchFamily="34" charset="-120"/>
+              <a:rPr lang="zh-TW" altLang="en-US" sz="3600" dirty="0" smtClean="0">
                 <a:ea typeface="思源黑體" panose="020B0500000000000000" pitchFamily="34" charset="-120"/>
               </a:rPr>
-              <a:t>實驗</a:t>
-            </a:r>
-            <a:r>
-              <a:rPr lang="zh-TW" altLang="en-US" sz="3600" smtClean="0">
-                <a:latin typeface="思源黑體" panose="020B0500000000000000" pitchFamily="34" charset="-120"/>
+              <a:t>實驗二</a:t>
+            </a:r>
+            <a:r>
+              <a:rPr lang="en-US" altLang="zh-TW" sz="3600" dirty="0" smtClean="0">
                 <a:ea typeface="思源黑體" panose="020B0500000000000000" pitchFamily="34" charset="-120"/>
               </a:rPr>
-              <a:t>二</a:t>
-            </a:r>
-            <a:r>
-              <a:rPr lang="en-US" altLang="zh-TW" sz="3600" smtClean="0">
-                <a:latin typeface="思源黑體" panose="020B0500000000000000" pitchFamily="34" charset="-120"/>
-                <a:ea typeface="思源黑體" panose="020B0500000000000000" pitchFamily="34" charset="-120"/>
-              </a:rPr>
               <a:t>:</a:t>
             </a:r>
             <a:r>
               <a:rPr lang="zh-TW" altLang="en-US" sz="3600" dirty="0">
-                <a:latin typeface="思源黑體" panose="020B0500000000000000" pitchFamily="34" charset="-120"/>
                 <a:ea typeface="思源黑體" panose="020B0500000000000000" pitchFamily="34" charset="-120"/>
               </a:rPr>
               <a:t>電子鋼琴</a:t>
@@ -3204,7 +3193,7 @@
             </a:pPr>
             <a:r>
               <a:rPr lang="zh-TW" altLang="en-US" sz="2000" dirty="0">
-                <a:latin typeface="思源黑體" panose="020B0500000000000000" pitchFamily="34" charset="-120"/>
+                <a:latin typeface="+mj-lt"/>
                 <a:ea typeface="思源黑體" panose="020B0500000000000000" pitchFamily="34" charset="-120"/>
                 <a:cs typeface="+mj-cs"/>
               </a:rPr>
@@ -3266,55 +3255,17 @@
           <a:p>
             <a:r>
               <a:rPr lang="zh-TW" altLang="en-US" dirty="0">
-                <a:latin typeface="思源黑體" panose="020B0500000000000000" pitchFamily="34" charset="-120"/>
                 <a:ea typeface="思源黑體" panose="020B0500000000000000" pitchFamily="34" charset="-120"/>
               </a:rPr>
               <a:t>實驗步驟</a:t>
             </a:r>
             <a:r>
               <a:rPr lang="en-US" altLang="zh-TW" dirty="0">
-                <a:latin typeface="思源黑體" panose="020B0500000000000000" pitchFamily="34" charset="-120"/>
                 <a:ea typeface="思源黑體" panose="020B0500000000000000" pitchFamily="34" charset="-120"/>
               </a:rPr>
-              <a:t>(3/5)</a:t>
+              <a:t>(2/5)</a:t>
             </a:r>
             <a:endParaRPr lang="zh-TW" altLang="en-US" dirty="0">
-              <a:latin typeface="思源黑體" panose="020B0500000000000000" pitchFamily="34" charset="-120"/>
-              <a:ea typeface="思源黑體" panose="020B0500000000000000" pitchFamily="34" charset="-120"/>
-            </a:endParaRPr>
-          </a:p>
-        </p:txBody>
-      </p:sp>
-      <p:sp>
-        <p:nvSpPr>
-          <p:cNvPr id="3" name="內容版面配置區 2">
-            <a:extLst>
-              <a:ext uri="{FF2B5EF4-FFF2-40B4-BE49-F238E27FC236}">
-                <a16:creationId xmlns="" xmlns:a16="http://schemas.microsoft.com/office/drawing/2014/main" id="{223C93C8-570F-4B5C-84DC-A1CC54800E14}"/>
-              </a:ext>
-            </a:extLst>
-          </p:cNvPr>
-          <p:cNvSpPr>
-            <a:spLocks noGrp="1"/>
-          </p:cNvSpPr>
-          <p:nvPr>
-            <p:ph idx="1"/>
-          </p:nvPr>
-        </p:nvSpPr>
-        <p:spPr/>
-        <p:txBody>
-          <a:bodyPr/>
-          <a:lstStyle/>
-          <a:p>
-            <a:r>
-              <a:rPr lang="zh-TW" altLang="en-US" dirty="0" smtClean="0">
-                <a:latin typeface="思源黑體" panose="020B0500000000000000" pitchFamily="34" charset="-120"/>
-                <a:ea typeface="思源黑體" panose="020B0500000000000000" pitchFamily="34" charset="-120"/>
-              </a:rPr>
-              <a:t>可以發出不同頻率的聲音</a:t>
-            </a:r>
-            <a:endParaRPr lang="zh-TW" altLang="en-US" dirty="0">
-              <a:latin typeface="思源黑體" panose="020B0500000000000000" pitchFamily="34" charset="-120"/>
               <a:ea typeface="思源黑體" panose="020B0500000000000000" pitchFamily="34" charset="-120"/>
             </a:endParaRPr>
           </a:p>
@@ -3345,138 +3296,6 @@
               <a:rPr lang="zh-TW" altLang="en-US" smtClean="0"/>
               <a:pPr/>
               <a:t>9</a:t>
-            </a:fld>
-            <a:endParaRPr lang="zh-TW" altLang="en-US" dirty="0"/>
-          </a:p>
-        </p:txBody>
-      </p:sp>
-      <p:pic>
-        <p:nvPicPr>
-          <p:cNvPr id="6" name="圖片 5"/>
-          <p:cNvPicPr>
-            <a:picLocks noChangeAspect="1"/>
-          </p:cNvPicPr>
-          <p:nvPr/>
-        </p:nvPicPr>
-        <p:blipFill>
-          <a:blip r:embed="rId2">
-            <a:extLst>
-              <a:ext uri="{28A0092B-C50C-407E-A947-70E740481C1C}">
-                <a14:useLocalDpi xmlns:a14="http://schemas.microsoft.com/office/drawing/2010/main" val="0"/>
-              </a:ext>
-            </a:extLst>
-          </a:blip>
-          <a:stretch>
-            <a:fillRect/>
-          </a:stretch>
-        </p:blipFill>
-        <p:spPr>
-          <a:xfrm>
-            <a:off x="2457450" y="2870994"/>
-            <a:ext cx="4229100" cy="2260600"/>
-          </a:xfrm>
-          <a:prstGeom prst="rect">
-            <a:avLst/>
-          </a:prstGeom>
-        </p:spPr>
-      </p:pic>
-    </p:spTree>
-    <p:extLst>
-      <p:ext uri="{BB962C8B-B14F-4D97-AF65-F5344CB8AC3E}">
-        <p14:creationId xmlns:p14="http://schemas.microsoft.com/office/powerpoint/2010/main" val="262457742"/>
-      </p:ext>
-    </p:extLst>
-  </p:cSld>
-  <p:clrMapOvr>
-    <a:masterClrMapping/>
-  </p:clrMapOvr>
-</p:sld>
-</file>
-
-<file path=ppt/slides/slide11.xml><?xml version="1.0" encoding="utf-8"?>
-<p:sld xmlns:a="http://schemas.openxmlformats.org/drawingml/2006/main" xmlns:r="http://schemas.openxmlformats.org/officeDocument/2006/relationships" xmlns:p="http://schemas.openxmlformats.org/presentationml/2006/main">
-  <p:cSld>
-    <p:spTree>
-      <p:nvGrpSpPr>
-        <p:cNvPr id="1" name=""/>
-        <p:cNvGrpSpPr/>
-        <p:nvPr/>
-      </p:nvGrpSpPr>
-      <p:grpSpPr>
-        <a:xfrm>
-          <a:off x="0" y="0"/>
-          <a:ext cx="0" cy="0"/>
-          <a:chOff x="0" y="0"/>
-          <a:chExt cx="0" cy="0"/>
-        </a:xfrm>
-      </p:grpSpPr>
-      <p:sp>
-        <p:nvSpPr>
-          <p:cNvPr id="2" name="標題 1">
-            <a:extLst>
-              <a:ext uri="{FF2B5EF4-FFF2-40B4-BE49-F238E27FC236}">
-                <a16:creationId xmlns="" xmlns:a16="http://schemas.microsoft.com/office/drawing/2014/main" id="{8814A709-C4CF-478A-A3C7-59B9E8C2A86D}"/>
-              </a:ext>
-            </a:extLst>
-          </p:cNvPr>
-          <p:cNvSpPr>
-            <a:spLocks noGrp="1"/>
-          </p:cNvSpPr>
-          <p:nvPr>
-            <p:ph type="title"/>
-          </p:nvPr>
-        </p:nvSpPr>
-        <p:spPr/>
-        <p:txBody>
-          <a:bodyPr/>
-          <a:lstStyle/>
-          <a:p>
-            <a:r>
-              <a:rPr lang="zh-TW" altLang="en-US" dirty="0">
-                <a:latin typeface="思源黑體" panose="020B0500000000000000" pitchFamily="34" charset="-120"/>
-                <a:ea typeface="思源黑體" panose="020B0500000000000000" pitchFamily="34" charset="-120"/>
-              </a:rPr>
-              <a:t>實驗步驟</a:t>
-            </a:r>
-            <a:r>
-              <a:rPr lang="en-US" altLang="zh-TW" dirty="0">
-                <a:latin typeface="思源黑體" panose="020B0500000000000000" pitchFamily="34" charset="-120"/>
-                <a:ea typeface="思源黑體" panose="020B0500000000000000" pitchFamily="34" charset="-120"/>
-              </a:rPr>
-              <a:t>(4/5)</a:t>
-            </a:r>
-            <a:endParaRPr lang="zh-TW" altLang="en-US" dirty="0">
-              <a:latin typeface="思源黑體" panose="020B0500000000000000" pitchFamily="34" charset="-120"/>
-              <a:ea typeface="思源黑體" panose="020B0500000000000000" pitchFamily="34" charset="-120"/>
-            </a:endParaRPr>
-          </a:p>
-        </p:txBody>
-      </p:sp>
-      <p:sp>
-        <p:nvSpPr>
-          <p:cNvPr id="4" name="投影片編號版面配置區 3">
-            <a:extLst>
-              <a:ext uri="{FF2B5EF4-FFF2-40B4-BE49-F238E27FC236}">
-                <a16:creationId xmlns="" xmlns:a16="http://schemas.microsoft.com/office/drawing/2014/main" id="{3609CE93-3EBD-42F4-A920-474BD036FD15}"/>
-              </a:ext>
-            </a:extLst>
-          </p:cNvPr>
-          <p:cNvSpPr>
-            <a:spLocks noGrp="1"/>
-          </p:cNvSpPr>
-          <p:nvPr>
-            <p:ph type="sldNum" sz="quarter" idx="12"/>
-          </p:nvPr>
-        </p:nvSpPr>
-        <p:spPr/>
-        <p:txBody>
-          <a:bodyPr/>
-          <a:lstStyle/>
-          <a:p>
-            <a:fld id="{6EDA8E28-6C2D-4537-9849-59635519518D}" type="slidenum">
-              <a:rPr lang="zh-TW" altLang="en-US" smtClean="0"/>
-              <a:pPr/>
-              <a:t>10</a:t>
             </a:fld>
             <a:endParaRPr lang="zh-TW" altLang="en-US" dirty="0"/>
           </a:p>
@@ -3675,29 +3494,64 @@
           </a:lstStyle>
           <a:p>
             <a:r>
-              <a:rPr lang="zh-TW" altLang="en-US" dirty="0" smtClean="0">
-                <a:latin typeface="思源黑體" panose="020B0500000000000000" pitchFamily="34" charset="-120"/>
+              <a:rPr lang="zh-TW" altLang="en-US" sz="2400" dirty="0" smtClean="0">
                 <a:ea typeface="思源黑體" panose="020B0500000000000000" pitchFamily="34" charset="-120"/>
               </a:rPr>
-              <a:t>若按鍵觸發成功輸出“</a:t>
-            </a:r>
-            <a:r>
-              <a:rPr lang="en-US" altLang="zh-TW" dirty="0" smtClean="0">
-                <a:latin typeface="思源黑體" panose="020B0500000000000000" pitchFamily="34" charset="-120"/>
+              <a:t>將各音高與</a:t>
+            </a:r>
+            <a:r>
+              <a:rPr lang="en-US" altLang="zh-TW" sz="2400" dirty="0" smtClean="0">
                 <a:ea typeface="思源黑體" panose="020B0500000000000000" pitchFamily="34" charset="-120"/>
               </a:rPr>
-              <a:t>Button pressed”</a:t>
-            </a:r>
-          </a:p>
-          <a:p>
-            <a:r>
-              <a:rPr lang="zh-TW" altLang="en-US" dirty="0" smtClean="0">
-                <a:latin typeface="思源黑體" panose="020B0500000000000000" pitchFamily="34" charset="-120"/>
+              <a:t>GPIO</a:t>
+            </a:r>
+            <a:r>
+              <a:rPr lang="zh-TW" altLang="en-US" sz="2400" dirty="0" smtClean="0">
                 <a:ea typeface="思源黑體" panose="020B0500000000000000" pitchFamily="34" charset="-120"/>
               </a:rPr>
-              <a:t>寫入蜂鳴器發生的按鍵觸發條件</a:t>
-            </a:r>
-            <a:endParaRPr lang="zh-TW" altLang="en-US" dirty="0">
+              <a:t>腳位設定完成。</a:t>
+            </a:r>
+            <a:endParaRPr lang="en-US" altLang="zh-TW" sz="2400" dirty="0" smtClean="0">
+              <a:ea typeface="思源黑體" panose="020B0500000000000000" pitchFamily="34" charset="-120"/>
+            </a:endParaRPr>
+          </a:p>
+          <a:p>
+            <a:r>
+              <a:rPr lang="zh-TW" altLang="en-US" sz="2400" dirty="0" smtClean="0">
+                <a:ea typeface="思源黑體" panose="020B0500000000000000" pitchFamily="34" charset="-120"/>
+              </a:rPr>
+              <a:t>將按鍵腳位設定為</a:t>
+            </a:r>
+            <a:r>
+              <a:rPr lang="en-US" altLang="zh-TW" sz="2400" dirty="0" smtClean="0">
+                <a:ea typeface="思源黑體" panose="020B0500000000000000" pitchFamily="34" charset="-120"/>
+              </a:rPr>
+              <a:t>GPIO17,</a:t>
+            </a:r>
+            <a:r>
+              <a:rPr lang="zh-TW" altLang="en-US" sz="2400" dirty="0" smtClean="0">
+                <a:ea typeface="思源黑體" panose="020B0500000000000000" pitchFamily="34" charset="-120"/>
+              </a:rPr>
+              <a:t>並將之設定為</a:t>
+            </a:r>
+            <a:r>
+              <a:rPr lang="en-US" altLang="zh-TW" sz="2400" dirty="0" smtClean="0">
+                <a:ea typeface="思源黑體" panose="020B0500000000000000" pitchFamily="34" charset="-120"/>
+              </a:rPr>
+              <a:t>input</a:t>
+            </a:r>
+            <a:r>
+              <a:rPr lang="zh-TW" altLang="en-US" sz="2400" dirty="0" smtClean="0">
+                <a:ea typeface="思源黑體" panose="020B0500000000000000" pitchFamily="34" charset="-120"/>
+              </a:rPr>
+              <a:t>。</a:t>
+            </a:r>
+            <a:endParaRPr lang="en-US" altLang="zh-TW" sz="2400" dirty="0" smtClean="0">
+              <a:ea typeface="思源黑體" panose="020B0500000000000000" pitchFamily="34" charset="-120"/>
+            </a:endParaRPr>
+          </a:p>
+          <a:p>
+            <a:endParaRPr lang="en-US" altLang="zh-TW" dirty="0" smtClean="0">
               <a:latin typeface="思源黑體" panose="020B0500000000000000" pitchFamily="34" charset="-120"/>
               <a:ea typeface="思源黑體" panose="020B0500000000000000" pitchFamily="34" charset="-120"/>
             </a:endParaRPr>
@@ -3726,8 +3580,8 @@
         </p:blipFill>
         <p:spPr>
           <a:xfrm>
-            <a:off x="2000250" y="3429794"/>
-            <a:ext cx="5143500" cy="1143000"/>
+            <a:off x="2349500" y="2650833"/>
+            <a:ext cx="4445000" cy="3888086"/>
           </a:xfrm>
           <a:prstGeom prst="rect">
             <a:avLst/>
@@ -3737,7 +3591,167 @@
     </p:spTree>
     <p:extLst>
       <p:ext uri="{BB962C8B-B14F-4D97-AF65-F5344CB8AC3E}">
-        <p14:creationId xmlns:p14="http://schemas.microsoft.com/office/powerpoint/2010/main" val="3294943067"/>
+        <p14:creationId xmlns:p14="http://schemas.microsoft.com/office/powerpoint/2010/main" val="3132163487"/>
+      </p:ext>
+    </p:extLst>
+  </p:cSld>
+  <p:clrMapOvr>
+    <a:masterClrMapping/>
+  </p:clrMapOvr>
+</p:sld>
+</file>
+
+<file path=ppt/slides/slide11.xml><?xml version="1.0" encoding="utf-8"?>
+<p:sld xmlns:a="http://schemas.openxmlformats.org/drawingml/2006/main" xmlns:r="http://schemas.openxmlformats.org/officeDocument/2006/relationships" xmlns:p="http://schemas.openxmlformats.org/presentationml/2006/main">
+  <p:cSld>
+    <p:spTree>
+      <p:nvGrpSpPr>
+        <p:cNvPr id="1" name=""/>
+        <p:cNvGrpSpPr/>
+        <p:nvPr/>
+      </p:nvGrpSpPr>
+      <p:grpSpPr>
+        <a:xfrm>
+          <a:off x="0" y="0"/>
+          <a:ext cx="0" cy="0"/>
+          <a:chOff x="0" y="0"/>
+          <a:chExt cx="0" cy="0"/>
+        </a:xfrm>
+      </p:grpSpPr>
+      <p:sp>
+        <p:nvSpPr>
+          <p:cNvPr id="2" name="標題 1">
+            <a:extLst>
+              <a:ext uri="{FF2B5EF4-FFF2-40B4-BE49-F238E27FC236}">
+                <a16:creationId xmlns="" xmlns:a16="http://schemas.microsoft.com/office/drawing/2014/main" id="{8814A709-C4CF-478A-A3C7-59B9E8C2A86D}"/>
+              </a:ext>
+            </a:extLst>
+          </p:cNvPr>
+          <p:cNvSpPr>
+            <a:spLocks noGrp="1"/>
+          </p:cNvSpPr>
+          <p:nvPr>
+            <p:ph type="title"/>
+          </p:nvPr>
+        </p:nvSpPr>
+        <p:spPr/>
+        <p:txBody>
+          <a:bodyPr/>
+          <a:lstStyle/>
+          <a:p>
+            <a:r>
+              <a:rPr lang="zh-TW" altLang="en-US" dirty="0">
+                <a:ea typeface="思源黑體" panose="020B0500000000000000" pitchFamily="34" charset="-120"/>
+              </a:rPr>
+              <a:t>實驗步驟</a:t>
+            </a:r>
+            <a:r>
+              <a:rPr lang="en-US" altLang="zh-TW" dirty="0">
+                <a:ea typeface="思源黑體" panose="020B0500000000000000" pitchFamily="34" charset="-120"/>
+              </a:rPr>
+              <a:t>(3/5)</a:t>
+            </a:r>
+            <a:endParaRPr lang="zh-TW" altLang="en-US" dirty="0">
+              <a:ea typeface="思源黑體" panose="020B0500000000000000" pitchFamily="34" charset="-120"/>
+            </a:endParaRPr>
+          </a:p>
+        </p:txBody>
+      </p:sp>
+      <p:sp>
+        <p:nvSpPr>
+          <p:cNvPr id="3" name="內容版面配置區 2">
+            <a:extLst>
+              <a:ext uri="{FF2B5EF4-FFF2-40B4-BE49-F238E27FC236}">
+                <a16:creationId xmlns="" xmlns:a16="http://schemas.microsoft.com/office/drawing/2014/main" id="{223C93C8-570F-4B5C-84DC-A1CC54800E14}"/>
+              </a:ext>
+            </a:extLst>
+          </p:cNvPr>
+          <p:cNvSpPr>
+            <a:spLocks noGrp="1"/>
+          </p:cNvSpPr>
+          <p:nvPr>
+            <p:ph idx="1"/>
+          </p:nvPr>
+        </p:nvSpPr>
+        <p:spPr/>
+        <p:txBody>
+          <a:bodyPr>
+            <a:normAutofit/>
+          </a:bodyPr>
+          <a:lstStyle/>
+          <a:p>
+            <a:r>
+              <a:rPr lang="zh-TW" altLang="en-US" sz="2400" dirty="0" smtClean="0"/>
+              <a:t>可以發出不同頻率的聲音</a:t>
+            </a:r>
+            <a:endParaRPr lang="zh-TW" altLang="en-US" sz="2400" dirty="0"/>
+          </a:p>
+        </p:txBody>
+      </p:sp>
+      <p:sp>
+        <p:nvSpPr>
+          <p:cNvPr id="4" name="投影片編號版面配置區 3">
+            <a:extLst>
+              <a:ext uri="{FF2B5EF4-FFF2-40B4-BE49-F238E27FC236}">
+                <a16:creationId xmlns="" xmlns:a16="http://schemas.microsoft.com/office/drawing/2014/main" id="{3609CE93-3EBD-42F4-A920-474BD036FD15}"/>
+              </a:ext>
+            </a:extLst>
+          </p:cNvPr>
+          <p:cNvSpPr>
+            <a:spLocks noGrp="1"/>
+          </p:cNvSpPr>
+          <p:nvPr>
+            <p:ph type="sldNum" sz="quarter" idx="12"/>
+          </p:nvPr>
+        </p:nvSpPr>
+        <p:spPr/>
+        <p:txBody>
+          <a:bodyPr/>
+          <a:lstStyle/>
+          <a:p>
+            <a:fld id="{6EDA8E28-6C2D-4537-9849-59635519518D}" type="slidenum">
+              <a:rPr lang="zh-TW" altLang="en-US" smtClean="0"/>
+              <a:pPr/>
+              <a:t>10</a:t>
+            </a:fld>
+            <a:endParaRPr lang="zh-TW" altLang="en-US" dirty="0"/>
+          </a:p>
+        </p:txBody>
+      </p:sp>
+      <p:pic>
+        <p:nvPicPr>
+          <p:cNvPr id="6" name="圖片 5"/>
+          <p:cNvPicPr>
+            <a:picLocks noChangeAspect="1"/>
+          </p:cNvPicPr>
+          <p:nvPr/>
+        </p:nvPicPr>
+        <p:blipFill>
+          <a:blip r:embed="rId2">
+            <a:extLst>
+              <a:ext uri="{28A0092B-C50C-407E-A947-70E740481C1C}">
+                <a14:useLocalDpi xmlns:a14="http://schemas.microsoft.com/office/drawing/2010/main" val="0"/>
+              </a:ext>
+            </a:extLst>
+          </a:blip>
+          <a:stretch>
+            <a:fillRect/>
+          </a:stretch>
+        </p:blipFill>
+        <p:spPr>
+          <a:xfrm>
+            <a:off x="2457450" y="2870994"/>
+            <a:ext cx="4229100" cy="2260600"/>
+          </a:xfrm>
+          <a:prstGeom prst="rect">
+            <a:avLst/>
+          </a:prstGeom>
+        </p:spPr>
+      </p:pic>
+    </p:spTree>
+    <p:extLst>
+      <p:ext uri="{BB962C8B-B14F-4D97-AF65-F5344CB8AC3E}">
+        <p14:creationId xmlns:p14="http://schemas.microsoft.com/office/powerpoint/2010/main" val="262457742"/>
       </p:ext>
     </p:extLst>
   </p:cSld>
@@ -3787,20 +3801,17 @@
           <a:p>
             <a:r>
               <a:rPr lang="zh-TW" altLang="en-US" dirty="0">
-                <a:latin typeface="思源黑體" panose="020B0500000000000000" pitchFamily="34" charset="-120"/>
                 <a:ea typeface="思源黑體" panose="020B0500000000000000" pitchFamily="34" charset="-120"/>
               </a:rPr>
               <a:t>實驗步驟</a:t>
             </a:r>
             <a:r>
               <a:rPr lang="en-US" altLang="zh-TW" dirty="0">
-                <a:latin typeface="思源黑體" panose="020B0500000000000000" pitchFamily="34" charset="-120"/>
                 <a:ea typeface="思源黑體" panose="020B0500000000000000" pitchFamily="34" charset="-120"/>
               </a:rPr>
-              <a:t>(5/5)</a:t>
+              <a:t>(4/5)</a:t>
             </a:r>
             <a:endParaRPr lang="zh-TW" altLang="en-US" dirty="0">
-              <a:latin typeface="思源黑體" panose="020B0500000000000000" pitchFamily="34" charset="-120"/>
               <a:ea typeface="思源黑體" panose="020B0500000000000000" pitchFamily="34" charset="-120"/>
             </a:endParaRPr>
           </a:p>
@@ -4029,14 +4040,26 @@
           </a:lstStyle>
           <a:p>
             <a:r>
-              <a:rPr lang="zh-TW" altLang="en-US" dirty="0" smtClean="0">
-                <a:latin typeface="思源黑體" panose="020B0500000000000000" pitchFamily="34" charset="-120"/>
+              <a:rPr lang="zh-TW" altLang="en-US" sz="2400" dirty="0" smtClean="0">
                 <a:ea typeface="思源黑體" panose="020B0500000000000000" pitchFamily="34" charset="-120"/>
               </a:rPr>
-              <a:t>偵測是否有新事件發生</a:t>
-            </a:r>
-            <a:endParaRPr lang="zh-TW" altLang="en-US" dirty="0">
-              <a:latin typeface="思源黑體" panose="020B0500000000000000" pitchFamily="34" charset="-120"/>
+              <a:t>若按鍵觸發成功輸出“</a:t>
+            </a:r>
+            <a:r>
+              <a:rPr lang="en-US" altLang="zh-TW" sz="2400" dirty="0" smtClean="0">
+                <a:ea typeface="思源黑體" panose="020B0500000000000000" pitchFamily="34" charset="-120"/>
+              </a:rPr>
+              <a:t>Button pressed”</a:t>
+            </a:r>
+          </a:p>
+          <a:p>
+            <a:r>
+              <a:rPr lang="zh-TW" altLang="en-US" sz="2400" dirty="0" smtClean="0">
+                <a:ea typeface="思源黑體" panose="020B0500000000000000" pitchFamily="34" charset="-120"/>
+              </a:rPr>
+              <a:t>寫入蜂鳴器發生的按鍵觸發條件</a:t>
+            </a:r>
+            <a:endParaRPr lang="zh-TW" altLang="en-US" sz="2400" dirty="0">
               <a:ea typeface="思源黑體" panose="020B0500000000000000" pitchFamily="34" charset="-120"/>
             </a:endParaRPr>
           </a:p>
@@ -4044,7 +4067,7 @@
       </p:sp>
       <p:pic>
         <p:nvPicPr>
-          <p:cNvPr id="6" name="圖片 5"/>
+          <p:cNvPr id="3" name="圖片 2"/>
           <p:cNvPicPr>
             <a:picLocks noChangeAspect="1"/>
           </p:cNvPicPr>
@@ -4064,8 +4087,8 @@
         </p:blipFill>
         <p:spPr>
           <a:xfrm>
-            <a:off x="1155700" y="3086100"/>
-            <a:ext cx="6819900" cy="673100"/>
+            <a:off x="2000250" y="3429794"/>
+            <a:ext cx="5143500" cy="1143000"/>
           </a:xfrm>
           <a:prstGeom prst="rect">
             <a:avLst/>
@@ -4075,7 +4098,7 @@
     </p:spTree>
     <p:extLst>
       <p:ext uri="{BB962C8B-B14F-4D97-AF65-F5344CB8AC3E}">
-        <p14:creationId xmlns:p14="http://schemas.microsoft.com/office/powerpoint/2010/main" val="3074964729"/>
+        <p14:creationId xmlns:p14="http://schemas.microsoft.com/office/powerpoint/2010/main" val="3294943067"/>
       </p:ext>
     </p:extLst>
   </p:cSld>
@@ -4107,1300 +4130,6 @@
           <p:cNvPr id="2" name="標題 1">
             <a:extLst>
               <a:ext uri="{FF2B5EF4-FFF2-40B4-BE49-F238E27FC236}">
-                <a16:creationId xmlns="" xmlns:a16="http://schemas.microsoft.com/office/drawing/2014/main" id="{569DD958-968B-4E66-982F-DD8E33866C79}"/>
-              </a:ext>
-            </a:extLst>
-          </p:cNvPr>
-          <p:cNvSpPr>
-            <a:spLocks noGrp="1"/>
-          </p:cNvSpPr>
-          <p:nvPr>
-            <p:ph type="title"/>
-          </p:nvPr>
-        </p:nvSpPr>
-        <p:spPr/>
-        <p:txBody>
-          <a:bodyPr/>
-          <a:lstStyle/>
-          <a:p>
-            <a:r>
-              <a:rPr lang="zh-TW" altLang="en-US" sz="3200" dirty="0">
-                <a:latin typeface="思源黑體" panose="020B0500000000000000" pitchFamily="34" charset="-120"/>
-                <a:ea typeface="思源黑體" panose="020B0500000000000000" pitchFamily="34" charset="-120"/>
-              </a:rPr>
-              <a:t>課堂實作</a:t>
-            </a:r>
-            <a:endParaRPr lang="zh-TW" altLang="en-US" dirty="0"/>
-          </a:p>
-        </p:txBody>
-      </p:sp>
-      <p:sp>
-        <p:nvSpPr>
-          <p:cNvPr id="3" name="內容版面配置區 2">
-            <a:extLst>
-              <a:ext uri="{FF2B5EF4-FFF2-40B4-BE49-F238E27FC236}">
-                <a16:creationId xmlns="" xmlns:a16="http://schemas.microsoft.com/office/drawing/2014/main" id="{58C4D19B-43EB-44FB-A8A5-357C771C9CCF}"/>
-              </a:ext>
-            </a:extLst>
-          </p:cNvPr>
-          <p:cNvSpPr>
-            <a:spLocks noGrp="1"/>
-          </p:cNvSpPr>
-          <p:nvPr>
-            <p:ph idx="1"/>
-          </p:nvPr>
-        </p:nvSpPr>
-        <p:spPr/>
-        <p:txBody>
-          <a:bodyPr>
-            <a:normAutofit/>
-          </a:bodyPr>
-          <a:lstStyle/>
-          <a:p>
-            <a:pPr lvl="1"/>
-            <a:r>
-              <a:rPr lang="zh-TW" altLang="en-US" sz="2000" dirty="0" smtClean="0">
-                <a:latin typeface="思源黑體" panose="020B0500000000000000" pitchFamily="34" charset="-120"/>
-                <a:ea typeface="思源黑體" panose="020B0500000000000000" pitchFamily="34" charset="-120"/>
-              </a:rPr>
-              <a:t>製作至少能發出三個音頻的電子鋼琴</a:t>
-            </a:r>
-            <a:endParaRPr lang="en-US" altLang="zh-TW" sz="2000" dirty="0"/>
-          </a:p>
-          <a:p>
-            <a:pPr lvl="1"/>
-            <a:endParaRPr lang="zh-TW" altLang="en-US" sz="2000" dirty="0"/>
-          </a:p>
-        </p:txBody>
-      </p:sp>
-      <p:sp>
-        <p:nvSpPr>
-          <p:cNvPr id="4" name="投影片編號版面配置區 3">
-            <a:extLst>
-              <a:ext uri="{FF2B5EF4-FFF2-40B4-BE49-F238E27FC236}">
-                <a16:creationId xmlns="" xmlns:a16="http://schemas.microsoft.com/office/drawing/2014/main" id="{D7D161A7-7AE2-4501-A35C-EC559A2CB0F8}"/>
-              </a:ext>
-            </a:extLst>
-          </p:cNvPr>
-          <p:cNvSpPr>
-            <a:spLocks noGrp="1"/>
-          </p:cNvSpPr>
-          <p:nvPr>
-            <p:ph type="sldNum" sz="quarter" idx="12"/>
-          </p:nvPr>
-        </p:nvSpPr>
-        <p:spPr/>
-        <p:txBody>
-          <a:bodyPr/>
-          <a:lstStyle/>
-          <a:p>
-            <a:fld id="{6EDA8E28-6C2D-4537-9849-59635519518D}" type="slidenum">
-              <a:rPr lang="zh-TW" altLang="en-US" smtClean="0"/>
-              <a:pPr/>
-              <a:t>12</a:t>
-            </a:fld>
-            <a:endParaRPr lang="zh-TW" altLang="en-US" dirty="0"/>
-          </a:p>
-        </p:txBody>
-      </p:sp>
-    </p:spTree>
-    <p:extLst>
-      <p:ext uri="{BB962C8B-B14F-4D97-AF65-F5344CB8AC3E}">
-        <p14:creationId xmlns:p14="http://schemas.microsoft.com/office/powerpoint/2010/main" val="2228714557"/>
-      </p:ext>
-    </p:extLst>
-  </p:cSld>
-  <p:clrMapOvr>
-    <a:masterClrMapping/>
-  </p:clrMapOvr>
-</p:sld>
-</file>
-
-<file path=ppt/slides/slide2.xml><?xml version="1.0" encoding="utf-8"?>
-<p:sld xmlns:a="http://schemas.openxmlformats.org/drawingml/2006/main" xmlns:r="http://schemas.openxmlformats.org/officeDocument/2006/relationships" xmlns:p="http://schemas.openxmlformats.org/presentationml/2006/main">
-  <p:cSld>
-    <p:spTree>
-      <p:nvGrpSpPr>
-        <p:cNvPr id="1" name=""/>
-        <p:cNvGrpSpPr/>
-        <p:nvPr/>
-      </p:nvGrpSpPr>
-      <p:grpSpPr>
-        <a:xfrm>
-          <a:off x="0" y="0"/>
-          <a:ext cx="0" cy="0"/>
-          <a:chOff x="0" y="0"/>
-          <a:chExt cx="0" cy="0"/>
-        </a:xfrm>
-      </p:grpSpPr>
-      <p:sp>
-        <p:nvSpPr>
-          <p:cNvPr id="2" name="標題 1">
-            <a:extLst>
-              <a:ext uri="{FF2B5EF4-FFF2-40B4-BE49-F238E27FC236}">
-                <a16:creationId xmlns="" xmlns:a16="http://schemas.microsoft.com/office/drawing/2014/main" id="{0BAF786D-40D2-4A31-BB3A-D909CB3F2442}"/>
-              </a:ext>
-            </a:extLst>
-          </p:cNvPr>
-          <p:cNvSpPr>
-            <a:spLocks noGrp="1"/>
-          </p:cNvSpPr>
-          <p:nvPr>
-            <p:ph type="title"/>
-          </p:nvPr>
-        </p:nvSpPr>
-        <p:spPr/>
-        <p:txBody>
-          <a:bodyPr/>
-          <a:lstStyle/>
-          <a:p>
-            <a:r>
-              <a:rPr lang="en-US" altLang="zh-TW" dirty="0">
-                <a:latin typeface="思源黑體" panose="020B0500000000000000" pitchFamily="34" charset="-120"/>
-                <a:ea typeface="思源黑體" panose="020B0500000000000000" pitchFamily="34" charset="-120"/>
-              </a:rPr>
-              <a:t>OUTLINE</a:t>
-            </a:r>
-            <a:endParaRPr lang="zh-TW" altLang="en-US" dirty="0">
-              <a:latin typeface="思源黑體" panose="020B0500000000000000" pitchFamily="34" charset="-120"/>
-              <a:ea typeface="思源黑體" panose="020B0500000000000000" pitchFamily="34" charset="-120"/>
-            </a:endParaRPr>
-          </a:p>
-        </p:txBody>
-      </p:sp>
-      <p:sp>
-        <p:nvSpPr>
-          <p:cNvPr id="3" name="內容版面配置區 2">
-            <a:extLst>
-              <a:ext uri="{FF2B5EF4-FFF2-40B4-BE49-F238E27FC236}">
-                <a16:creationId xmlns="" xmlns:a16="http://schemas.microsoft.com/office/drawing/2014/main" id="{A3865ADA-A71D-4258-A22B-9419DA3757E0}"/>
-              </a:ext>
-            </a:extLst>
-          </p:cNvPr>
-          <p:cNvSpPr>
-            <a:spLocks noGrp="1"/>
-          </p:cNvSpPr>
-          <p:nvPr>
-            <p:ph idx="1"/>
-          </p:nvPr>
-        </p:nvSpPr>
-        <p:spPr/>
-        <p:txBody>
-          <a:bodyPr/>
-          <a:lstStyle/>
-          <a:p>
-            <a:r>
-              <a:rPr lang="zh-TW" altLang="en-US" sz="2400" dirty="0">
-                <a:latin typeface="思源黑體" panose="020B0500000000000000" pitchFamily="34" charset="-120"/>
-                <a:ea typeface="思源黑體" panose="020B0500000000000000" pitchFamily="34" charset="-120"/>
-                <a:cs typeface="+mj-cs"/>
-              </a:rPr>
-              <a:t>實驗硬體介紹</a:t>
-            </a:r>
-            <a:endParaRPr lang="en-US" altLang="zh-TW" sz="2400" dirty="0">
-              <a:latin typeface="思源黑體" panose="020B0500000000000000" pitchFamily="34" charset="-120"/>
-              <a:ea typeface="思源黑體" panose="020B0500000000000000" pitchFamily="34" charset="-120"/>
-              <a:cs typeface="+mj-cs"/>
-            </a:endParaRPr>
-          </a:p>
-          <a:p>
-            <a:endParaRPr lang="en-US" altLang="zh-TW" sz="2400" dirty="0">
-              <a:latin typeface="思源黑體" panose="020B0500000000000000" pitchFamily="34" charset="-120"/>
-              <a:ea typeface="思源黑體" panose="020B0500000000000000" pitchFamily="34" charset="-120"/>
-              <a:cs typeface="+mj-cs"/>
-            </a:endParaRPr>
-          </a:p>
-          <a:p>
-            <a:r>
-              <a:rPr lang="zh-TW" altLang="en-US" sz="2400" dirty="0">
-                <a:latin typeface="思源黑體" panose="020B0500000000000000" pitchFamily="34" charset="-120"/>
-                <a:ea typeface="思源黑體" panose="020B0500000000000000" pitchFamily="34" charset="-120"/>
-                <a:cs typeface="+mj-cs"/>
-              </a:rPr>
-              <a:t>按鍵蜂鳴器實驗</a:t>
-            </a:r>
-            <a:endParaRPr lang="en-US" altLang="zh-TW" sz="2400" dirty="0">
-              <a:latin typeface="思源黑體" panose="020B0500000000000000" pitchFamily="34" charset="-120"/>
-              <a:ea typeface="思源黑體" panose="020B0500000000000000" pitchFamily="34" charset="-120"/>
-              <a:cs typeface="+mj-cs"/>
-            </a:endParaRPr>
-          </a:p>
-          <a:p>
-            <a:endParaRPr lang="en-US" altLang="zh-TW" sz="2400" dirty="0">
-              <a:latin typeface="思源黑體" panose="020B0500000000000000" pitchFamily="34" charset="-120"/>
-              <a:ea typeface="思源黑體" panose="020B0500000000000000" pitchFamily="34" charset="-120"/>
-              <a:cs typeface="+mj-cs"/>
-            </a:endParaRPr>
-          </a:p>
-          <a:p>
-            <a:r>
-              <a:rPr lang="zh-TW" altLang="en-US" sz="2400" dirty="0">
-                <a:latin typeface="思源黑體" panose="020B0500000000000000" pitchFamily="34" charset="-120"/>
-                <a:ea typeface="思源黑體" panose="020B0500000000000000" pitchFamily="34" charset="-120"/>
-                <a:cs typeface="+mj-cs"/>
-              </a:rPr>
-              <a:t>電子鋼琴</a:t>
-            </a:r>
-            <a:endParaRPr lang="en-US" altLang="zh-TW" sz="2400" dirty="0">
-              <a:latin typeface="思源黑體" panose="020B0500000000000000" pitchFamily="34" charset="-120"/>
-              <a:ea typeface="思源黑體" panose="020B0500000000000000" pitchFamily="34" charset="-120"/>
-              <a:cs typeface="+mj-cs"/>
-            </a:endParaRPr>
-          </a:p>
-          <a:p>
-            <a:endParaRPr lang="en-US" altLang="zh-TW" sz="2400" dirty="0">
-              <a:latin typeface="思源黑體" panose="020B0500000000000000" pitchFamily="34" charset="-120"/>
-              <a:ea typeface="思源黑體" panose="020B0500000000000000" pitchFamily="34" charset="-120"/>
-              <a:cs typeface="+mj-cs"/>
-            </a:endParaRPr>
-          </a:p>
-          <a:p>
-            <a:r>
-              <a:rPr lang="zh-TW" altLang="en-US" sz="2400" dirty="0">
-                <a:latin typeface="思源黑體" panose="020B0500000000000000" pitchFamily="34" charset="-120"/>
-                <a:ea typeface="思源黑體" panose="020B0500000000000000" pitchFamily="34" charset="-120"/>
-                <a:cs typeface="+mj-cs"/>
-              </a:rPr>
-              <a:t>課堂實作</a:t>
-            </a:r>
-          </a:p>
-        </p:txBody>
-      </p:sp>
-      <p:sp>
-        <p:nvSpPr>
-          <p:cNvPr id="4" name="投影片編號版面配置區 3">
-            <a:extLst>
-              <a:ext uri="{FF2B5EF4-FFF2-40B4-BE49-F238E27FC236}">
-                <a16:creationId xmlns="" xmlns:a16="http://schemas.microsoft.com/office/drawing/2014/main" id="{D96155B9-D22D-47D0-9969-174223324CF4}"/>
-              </a:ext>
-            </a:extLst>
-          </p:cNvPr>
-          <p:cNvSpPr>
-            <a:spLocks noGrp="1"/>
-          </p:cNvSpPr>
-          <p:nvPr>
-            <p:ph type="sldNum" sz="quarter" idx="12"/>
-          </p:nvPr>
-        </p:nvSpPr>
-        <p:spPr/>
-        <p:txBody>
-          <a:bodyPr/>
-          <a:lstStyle/>
-          <a:p>
-            <a:fld id="{6EDA8E28-6C2D-4537-9849-59635519518D}" type="slidenum">
-              <a:rPr lang="zh-TW" altLang="en-US" smtClean="0"/>
-              <a:pPr/>
-              <a:t>1</a:t>
-            </a:fld>
-            <a:endParaRPr lang="zh-TW" altLang="en-US" dirty="0"/>
-          </a:p>
-        </p:txBody>
-      </p:sp>
-    </p:spTree>
-    <p:extLst>
-      <p:ext uri="{BB962C8B-B14F-4D97-AF65-F5344CB8AC3E}">
-        <p14:creationId xmlns:p14="http://schemas.microsoft.com/office/powerpoint/2010/main" val="3058357558"/>
-      </p:ext>
-    </p:extLst>
-  </p:cSld>
-  <p:clrMapOvr>
-    <a:masterClrMapping/>
-  </p:clrMapOvr>
-</p:sld>
-</file>
-
-<file path=ppt/slides/slide3.xml><?xml version="1.0" encoding="utf-8"?>
-<p:sld xmlns:a="http://schemas.openxmlformats.org/drawingml/2006/main" xmlns:r="http://schemas.openxmlformats.org/officeDocument/2006/relationships" xmlns:p="http://schemas.openxmlformats.org/presentationml/2006/main">
-  <p:cSld>
-    <p:spTree>
-      <p:nvGrpSpPr>
-        <p:cNvPr id="1" name=""/>
-        <p:cNvGrpSpPr/>
-        <p:nvPr/>
-      </p:nvGrpSpPr>
-      <p:grpSpPr>
-        <a:xfrm>
-          <a:off x="0" y="0"/>
-          <a:ext cx="0" cy="0"/>
-          <a:chOff x="0" y="0"/>
-          <a:chExt cx="0" cy="0"/>
-        </a:xfrm>
-      </p:grpSpPr>
-      <p:sp>
-        <p:nvSpPr>
-          <p:cNvPr id="2" name="標題 1"/>
-          <p:cNvSpPr>
-            <a:spLocks noGrp="1"/>
-          </p:cNvSpPr>
-          <p:nvPr>
-            <p:ph type="ctrTitle"/>
-          </p:nvPr>
-        </p:nvSpPr>
-        <p:spPr>
-          <a:xfrm>
-            <a:off x="0" y="1122363"/>
-            <a:ext cx="9144000" cy="2387600"/>
-          </a:xfrm>
-        </p:spPr>
-        <p:txBody>
-          <a:bodyPr>
-            <a:normAutofit/>
-          </a:bodyPr>
-          <a:lstStyle/>
-          <a:p>
-            <a:r>
-              <a:rPr lang="zh-TW" altLang="en-US" sz="3600" dirty="0">
-                <a:latin typeface="思源黑體" panose="020B0500000000000000" pitchFamily="34" charset="-120"/>
-                <a:ea typeface="思源黑體" panose="020B0500000000000000" pitchFamily="34" charset="-120"/>
-              </a:rPr>
-              <a:t>實驗硬體介紹</a:t>
-            </a:r>
-          </a:p>
-        </p:txBody>
-      </p:sp>
-      <p:sp>
-        <p:nvSpPr>
-          <p:cNvPr id="3" name="副標題 2"/>
-          <p:cNvSpPr>
-            <a:spLocks noGrp="1"/>
-          </p:cNvSpPr>
-          <p:nvPr>
-            <p:ph type="subTitle" idx="1"/>
-          </p:nvPr>
-        </p:nvSpPr>
-        <p:spPr/>
-        <p:txBody>
-          <a:bodyPr/>
-          <a:lstStyle/>
-          <a:p>
-            <a:endParaRPr lang="zh-TW" altLang="en-US" dirty="0"/>
-          </a:p>
-        </p:txBody>
-      </p:sp>
-    </p:spTree>
-    <p:extLst>
-      <p:ext uri="{BB962C8B-B14F-4D97-AF65-F5344CB8AC3E}">
-        <p14:creationId xmlns:p14="http://schemas.microsoft.com/office/powerpoint/2010/main" val="2785438634"/>
-      </p:ext>
-    </p:extLst>
-  </p:cSld>
-  <p:clrMapOvr>
-    <a:masterClrMapping/>
-  </p:clrMapOvr>
-</p:sld>
-</file>
-
-<file path=ppt/slides/slide4.xml><?xml version="1.0" encoding="utf-8"?>
-<p:sld xmlns:a="http://schemas.openxmlformats.org/drawingml/2006/main" xmlns:r="http://schemas.openxmlformats.org/officeDocument/2006/relationships" xmlns:p="http://schemas.openxmlformats.org/presentationml/2006/main">
-  <p:cSld>
-    <p:spTree>
-      <p:nvGrpSpPr>
-        <p:cNvPr id="1" name=""/>
-        <p:cNvGrpSpPr/>
-        <p:nvPr/>
-      </p:nvGrpSpPr>
-      <p:grpSpPr>
-        <a:xfrm>
-          <a:off x="0" y="0"/>
-          <a:ext cx="0" cy="0"/>
-          <a:chOff x="0" y="0"/>
-          <a:chExt cx="0" cy="0"/>
-        </a:xfrm>
-      </p:grpSpPr>
-      <p:sp>
-        <p:nvSpPr>
-          <p:cNvPr id="2" name="標題 1"/>
-          <p:cNvSpPr>
-            <a:spLocks noGrp="1"/>
-          </p:cNvSpPr>
-          <p:nvPr>
-            <p:ph type="title"/>
-          </p:nvPr>
-        </p:nvSpPr>
-        <p:spPr/>
-        <p:txBody>
-          <a:bodyPr/>
-          <a:lstStyle/>
-          <a:p>
-            <a:r>
-              <a:rPr lang="en-US" altLang="zh-TW" sz="3000" dirty="0">
-                <a:latin typeface="思源黑體" panose="020B0500000000000000" pitchFamily="34" charset="-120"/>
-                <a:ea typeface="思源黑體" panose="020B0500000000000000" pitchFamily="34" charset="-120"/>
-              </a:rPr>
-              <a:t>Raspberry</a:t>
-            </a:r>
-            <a:r>
-              <a:rPr lang="zh-TW" altLang="en-US" b="1" dirty="0"/>
-              <a:t> </a:t>
-            </a:r>
-            <a:r>
-              <a:rPr lang="en-US" altLang="zh-TW" sz="3000" dirty="0">
-                <a:latin typeface="思源黑體" panose="020B0500000000000000" pitchFamily="34" charset="-120"/>
-                <a:ea typeface="思源黑體" panose="020B0500000000000000" pitchFamily="34" charset="-120"/>
-              </a:rPr>
-              <a:t>Pi</a:t>
-            </a:r>
-            <a:r>
-              <a:rPr lang="zh-TW" altLang="en-US" b="1" dirty="0"/>
-              <a:t> </a:t>
-            </a:r>
-            <a:r>
-              <a:rPr lang="en-US" altLang="zh-TW" b="1" dirty="0"/>
-              <a:t>–</a:t>
-            </a:r>
-            <a:r>
-              <a:rPr lang="zh-TW" altLang="en-US" b="1" dirty="0"/>
-              <a:t> </a:t>
-            </a:r>
-            <a:r>
-              <a:rPr lang="en-US" altLang="zh-TW" sz="3000" dirty="0">
-                <a:latin typeface="思源黑體" panose="020B0500000000000000" pitchFamily="34" charset="-120"/>
-                <a:ea typeface="思源黑體" panose="020B0500000000000000" pitchFamily="34" charset="-120"/>
-              </a:rPr>
-              <a:t>BCM</a:t>
-            </a:r>
-            <a:r>
-              <a:rPr lang="en-US" altLang="zh-TW" b="1" dirty="0"/>
-              <a:t> </a:t>
-            </a:r>
-            <a:r>
-              <a:rPr lang="zh-TW" altLang="en-US" sz="3000" dirty="0">
-                <a:latin typeface="思源黑體" panose="020B0500000000000000" pitchFamily="34" charset="-120"/>
-                <a:ea typeface="思源黑體" panose="020B0500000000000000" pitchFamily="34" charset="-120"/>
-              </a:rPr>
-              <a:t>腳位</a:t>
-            </a:r>
-          </a:p>
-        </p:txBody>
-      </p:sp>
-      <p:sp>
-        <p:nvSpPr>
-          <p:cNvPr id="3" name="內容版面配置區 2"/>
-          <p:cNvSpPr>
-            <a:spLocks noGrp="1"/>
-          </p:cNvSpPr>
-          <p:nvPr>
-            <p:ph idx="1"/>
-          </p:nvPr>
-        </p:nvSpPr>
-        <p:spPr/>
-        <p:txBody>
-          <a:bodyPr/>
-          <a:lstStyle/>
-          <a:p>
-            <a:r>
-              <a:rPr lang="en-US" altLang="zh-TW" dirty="0">
-                <a:latin typeface="思源黑體" panose="020B0500000000000000" pitchFamily="34" charset="-120"/>
-                <a:ea typeface="思源黑體" panose="020B0500000000000000" pitchFamily="34" charset="-120"/>
-              </a:rPr>
-              <a:t>GPIO</a:t>
-            </a:r>
-            <a:r>
-              <a:rPr lang="zh-TW" altLang="en-US" dirty="0">
-                <a:latin typeface="思源黑體" panose="020B0500000000000000" pitchFamily="34" charset="-120"/>
-                <a:ea typeface="思源黑體" panose="020B0500000000000000" pitchFamily="34" charset="-120"/>
-              </a:rPr>
-              <a:t>（</a:t>
-            </a:r>
-            <a:r>
-              <a:rPr lang="en-US" altLang="zh-TW" dirty="0">
-                <a:latin typeface="思源黑體" panose="020B0500000000000000" pitchFamily="34" charset="-120"/>
-                <a:ea typeface="思源黑體" panose="020B0500000000000000" pitchFamily="34" charset="-120"/>
-              </a:rPr>
-              <a:t>General-purpose input/output</a:t>
-            </a:r>
-            <a:r>
-              <a:rPr lang="zh-TW" altLang="en-US" dirty="0">
-                <a:latin typeface="思源黑體" panose="020B0500000000000000" pitchFamily="34" charset="-120"/>
-                <a:ea typeface="思源黑體" panose="020B0500000000000000" pitchFamily="34" charset="-120"/>
-              </a:rPr>
-              <a:t>），通用型之輸入輸出的簡稱，可透過指令設成輸出或輸入，設為輸出時也可透過指令做開關的動作</a:t>
-            </a:r>
-          </a:p>
-        </p:txBody>
-      </p:sp>
-      <p:sp>
-        <p:nvSpPr>
-          <p:cNvPr id="4" name="投影片編號版面配置區 3"/>
-          <p:cNvSpPr>
-            <a:spLocks noGrp="1"/>
-          </p:cNvSpPr>
-          <p:nvPr>
-            <p:ph type="sldNum" sz="quarter" idx="12"/>
-          </p:nvPr>
-        </p:nvSpPr>
-        <p:spPr/>
-        <p:txBody>
-          <a:bodyPr/>
-          <a:lstStyle/>
-          <a:p>
-            <a:fld id="{6EDA8E28-6C2D-4537-9849-59635519518D}" type="slidenum">
-              <a:rPr lang="zh-TW" altLang="en-US" smtClean="0"/>
-              <a:pPr/>
-              <a:t>3</a:t>
-            </a:fld>
-            <a:endParaRPr lang="zh-TW" altLang="en-US" dirty="0"/>
-          </a:p>
-        </p:txBody>
-      </p:sp>
-      <p:pic>
-        <p:nvPicPr>
-          <p:cNvPr id="5" name="圖片 4"/>
-          <p:cNvPicPr>
-            <a:picLocks noChangeAspect="1"/>
-          </p:cNvPicPr>
-          <p:nvPr/>
-        </p:nvPicPr>
-        <p:blipFill>
-          <a:blip r:embed="rId2">
-            <a:extLst>
-              <a:ext uri="{28A0092B-C50C-407E-A947-70E740481C1C}">
-                <a14:useLocalDpi xmlns:a14="http://schemas.microsoft.com/office/drawing/2010/main" val="0"/>
-              </a:ext>
-            </a:extLst>
-          </a:blip>
-          <a:stretch>
-            <a:fillRect/>
-          </a:stretch>
-        </p:blipFill>
-        <p:spPr>
-          <a:xfrm>
-            <a:off x="2064327" y="3228368"/>
-            <a:ext cx="4730129" cy="2823296"/>
-          </a:xfrm>
-          <a:prstGeom prst="rect">
-            <a:avLst/>
-          </a:prstGeom>
-        </p:spPr>
-      </p:pic>
-    </p:spTree>
-    <p:extLst>
-      <p:ext uri="{BB962C8B-B14F-4D97-AF65-F5344CB8AC3E}">
-        <p14:creationId xmlns:p14="http://schemas.microsoft.com/office/powerpoint/2010/main" val="1016336953"/>
-      </p:ext>
-    </p:extLst>
-  </p:cSld>
-  <p:clrMapOvr>
-    <a:masterClrMapping/>
-  </p:clrMapOvr>
-</p:sld>
-</file>
-
-<file path=ppt/slides/slide5.xml><?xml version="1.0" encoding="utf-8"?>
-<p:sld xmlns:a="http://schemas.openxmlformats.org/drawingml/2006/main" xmlns:r="http://schemas.openxmlformats.org/officeDocument/2006/relationships" xmlns:p="http://schemas.openxmlformats.org/presentationml/2006/main">
-  <p:cSld>
-    <p:spTree>
-      <p:nvGrpSpPr>
-        <p:cNvPr id="1" name=""/>
-        <p:cNvGrpSpPr/>
-        <p:nvPr/>
-      </p:nvGrpSpPr>
-      <p:grpSpPr>
-        <a:xfrm>
-          <a:off x="0" y="0"/>
-          <a:ext cx="0" cy="0"/>
-          <a:chOff x="0" y="0"/>
-          <a:chExt cx="0" cy="0"/>
-        </a:xfrm>
-      </p:grpSpPr>
-      <p:sp>
-        <p:nvSpPr>
-          <p:cNvPr id="2" name="標題 1">
-            <a:extLst>
-              <a:ext uri="{FF2B5EF4-FFF2-40B4-BE49-F238E27FC236}">
-                <a16:creationId xmlns="" xmlns:a16="http://schemas.microsoft.com/office/drawing/2014/main" id="{C8DDAC85-0E97-48A0-9774-FF7BC9CCD346}"/>
-              </a:ext>
-            </a:extLst>
-          </p:cNvPr>
-          <p:cNvSpPr>
-            <a:spLocks noGrp="1"/>
-          </p:cNvSpPr>
-          <p:nvPr>
-            <p:ph type="title"/>
-          </p:nvPr>
-        </p:nvSpPr>
-        <p:spPr/>
-        <p:txBody>
-          <a:bodyPr/>
-          <a:lstStyle/>
-          <a:p>
-            <a:r>
-              <a:rPr lang="zh-TW" altLang="en-US" sz="3600" dirty="0">
-                <a:latin typeface="思源黑體" panose="020B0500000000000000" pitchFamily="34" charset="-120"/>
-                <a:ea typeface="思源黑體" panose="020B0500000000000000" pitchFamily="34" charset="-120"/>
-              </a:rPr>
-              <a:t>按鍵</a:t>
-            </a:r>
-            <a:endParaRPr lang="zh-TW" altLang="en-US" dirty="0">
-              <a:latin typeface="思源黑體"/>
-            </a:endParaRPr>
-          </a:p>
-        </p:txBody>
-      </p:sp>
-      <p:pic>
-        <p:nvPicPr>
-          <p:cNvPr id="7" name="內容版面配置區 6">
-            <a:extLst>
-              <a:ext uri="{FF2B5EF4-FFF2-40B4-BE49-F238E27FC236}">
-                <a16:creationId xmlns="" xmlns:a16="http://schemas.microsoft.com/office/drawing/2014/main" id="{1F8FC278-C077-4E9F-9FF8-DAE1746D9E97}"/>
-              </a:ext>
-            </a:extLst>
-          </p:cNvPr>
-          <p:cNvPicPr>
-            <a:picLocks noGrp="1" noChangeAspect="1"/>
-          </p:cNvPicPr>
-          <p:nvPr>
-            <p:ph sz="half" idx="1"/>
-          </p:nvPr>
-        </p:nvPicPr>
-        <p:blipFill>
-          <a:blip r:embed="rId2">
-            <a:extLst>
-              <a:ext uri="{28A0092B-C50C-407E-A947-70E740481C1C}">
-                <a14:useLocalDpi xmlns:a14="http://schemas.microsoft.com/office/drawing/2010/main" val="0"/>
-              </a:ext>
-            </a:extLst>
-          </a:blip>
-          <a:stretch>
-            <a:fillRect/>
-          </a:stretch>
-        </p:blipFill>
-        <p:spPr>
-          <a:xfrm>
-            <a:off x="628650" y="1876161"/>
-            <a:ext cx="3886200" cy="4250266"/>
-          </a:xfrm>
-        </p:spPr>
-      </p:pic>
-      <p:sp>
-        <p:nvSpPr>
-          <p:cNvPr id="4" name="內容版面配置區 3">
-            <a:extLst>
-              <a:ext uri="{FF2B5EF4-FFF2-40B4-BE49-F238E27FC236}">
-                <a16:creationId xmlns="" xmlns:a16="http://schemas.microsoft.com/office/drawing/2014/main" id="{F7E3AC5F-39BD-4845-B7FF-E5D4C5A0CC5D}"/>
-              </a:ext>
-            </a:extLst>
-          </p:cNvPr>
-          <p:cNvSpPr>
-            <a:spLocks noGrp="1"/>
-          </p:cNvSpPr>
-          <p:nvPr>
-            <p:ph sz="half" idx="2"/>
-          </p:nvPr>
-        </p:nvSpPr>
-        <p:spPr>
-          <a:xfrm>
-            <a:off x="4629150" y="2429691"/>
-            <a:ext cx="3886200" cy="3747272"/>
-          </a:xfrm>
-        </p:spPr>
-        <p:txBody>
-          <a:bodyPr/>
-          <a:lstStyle/>
-          <a:p>
-            <a:r>
-              <a:rPr lang="zh-TW" altLang="en-US" sz="2400" dirty="0">
-                <a:ea typeface="思源黑體" panose="020B0500000000000000"/>
-              </a:rPr>
-              <a:t>按下前 </a:t>
-            </a:r>
-            <a:endParaRPr lang="en-US" altLang="zh-TW" sz="2400" dirty="0">
-              <a:ea typeface="思源黑體" panose="020B0500000000000000"/>
-            </a:endParaRPr>
-          </a:p>
-          <a:p>
-            <a:pPr lvl="1"/>
-            <a:r>
-              <a:rPr lang="zh-TW" altLang="en-US" sz="2100" dirty="0">
-                <a:ea typeface="思源黑體" panose="020B0500000000000000"/>
-              </a:rPr>
-              <a:t>長邊相連 </a:t>
-            </a:r>
-            <a:r>
-              <a:rPr lang="en-US" altLang="zh-TW" sz="2100" dirty="0">
-                <a:ea typeface="思源黑體" panose="020B0500000000000000"/>
-              </a:rPr>
-              <a:t>(1&amp;2, 3&amp;4) </a:t>
-            </a:r>
-          </a:p>
-          <a:p>
-            <a:pPr lvl="1"/>
-            <a:r>
-              <a:rPr lang="zh-TW" altLang="en-US" sz="2100" dirty="0">
-                <a:ea typeface="思源黑體" panose="020B0500000000000000"/>
-              </a:rPr>
-              <a:t>短邊不相連</a:t>
-            </a:r>
-            <a:endParaRPr lang="en-US" altLang="zh-TW" sz="2100" dirty="0">
-              <a:ea typeface="思源黑體" panose="020B0500000000000000"/>
-            </a:endParaRPr>
-          </a:p>
-          <a:p>
-            <a:pPr marL="342892" lvl="1" indent="0">
-              <a:buNone/>
-            </a:pPr>
-            <a:endParaRPr lang="en-US" altLang="zh-TW" dirty="0">
-              <a:ea typeface="思源黑體" panose="020B0500000000000000"/>
-            </a:endParaRPr>
-          </a:p>
-          <a:p>
-            <a:pPr marL="342892" lvl="1" indent="0">
-              <a:buNone/>
-            </a:pPr>
-            <a:endParaRPr lang="en-US" altLang="zh-TW" dirty="0">
-              <a:ea typeface="思源黑體" panose="020B0500000000000000"/>
-            </a:endParaRPr>
-          </a:p>
-          <a:p>
-            <a:pPr marL="342892" lvl="1" indent="0">
-              <a:buNone/>
-            </a:pPr>
-            <a:endParaRPr lang="en-US" altLang="zh-TW" dirty="0">
-              <a:ea typeface="思源黑體" panose="020B0500000000000000"/>
-            </a:endParaRPr>
-          </a:p>
-          <a:p>
-            <a:r>
-              <a:rPr lang="zh-TW" altLang="en-US" sz="2400" dirty="0">
-                <a:ea typeface="思源黑體" panose="020B0500000000000000"/>
-              </a:rPr>
-              <a:t>按下後</a:t>
-            </a:r>
-            <a:endParaRPr lang="en-US" altLang="zh-TW" sz="2400" dirty="0">
-              <a:ea typeface="思源黑體" panose="020B0500000000000000"/>
-            </a:endParaRPr>
-          </a:p>
-          <a:p>
-            <a:pPr lvl="1"/>
-            <a:r>
-              <a:rPr lang="zh-TW" altLang="en-US" sz="2100" dirty="0">
-                <a:ea typeface="思源黑體" panose="020B0500000000000000"/>
-              </a:rPr>
-              <a:t>四點都通</a:t>
-            </a:r>
-            <a:endParaRPr lang="en-US" altLang="zh-TW" sz="2100" dirty="0">
-              <a:ea typeface="思源黑體" panose="020B0500000000000000"/>
-            </a:endParaRPr>
-          </a:p>
-        </p:txBody>
-      </p:sp>
-      <p:sp>
-        <p:nvSpPr>
-          <p:cNvPr id="5" name="投影片編號版面配置區 4">
-            <a:extLst>
-              <a:ext uri="{FF2B5EF4-FFF2-40B4-BE49-F238E27FC236}">
-                <a16:creationId xmlns="" xmlns:a16="http://schemas.microsoft.com/office/drawing/2014/main" id="{ECB79027-2063-4579-B0E9-2A56DCD15EB1}"/>
-              </a:ext>
-            </a:extLst>
-          </p:cNvPr>
-          <p:cNvSpPr>
-            <a:spLocks noGrp="1"/>
-          </p:cNvSpPr>
-          <p:nvPr>
-            <p:ph type="sldNum" sz="quarter" idx="12"/>
-          </p:nvPr>
-        </p:nvSpPr>
-        <p:spPr/>
-        <p:txBody>
-          <a:bodyPr/>
-          <a:lstStyle/>
-          <a:p>
-            <a:fld id="{6EDA8E28-6C2D-4537-9849-59635519518D}" type="slidenum">
-              <a:rPr lang="zh-TW" altLang="en-US" smtClean="0"/>
-              <a:t>4</a:t>
-            </a:fld>
-            <a:endParaRPr lang="zh-TW" altLang="en-US"/>
-          </a:p>
-        </p:txBody>
-      </p:sp>
-    </p:spTree>
-    <p:extLst>
-      <p:ext uri="{BB962C8B-B14F-4D97-AF65-F5344CB8AC3E}">
-        <p14:creationId xmlns:p14="http://schemas.microsoft.com/office/powerpoint/2010/main" val="3528129589"/>
-      </p:ext>
-    </p:extLst>
-  </p:cSld>
-  <p:clrMapOvr>
-    <a:masterClrMapping/>
-  </p:clrMapOvr>
-</p:sld>
-</file>
-
-<file path=ppt/slides/slide6.xml><?xml version="1.0" encoding="utf-8"?>
-<p:sld xmlns:a="http://schemas.openxmlformats.org/drawingml/2006/main" xmlns:r="http://schemas.openxmlformats.org/officeDocument/2006/relationships" xmlns:p="http://schemas.openxmlformats.org/presentationml/2006/main">
-  <p:cSld>
-    <p:spTree>
-      <p:nvGrpSpPr>
-        <p:cNvPr id="1" name=""/>
-        <p:cNvGrpSpPr/>
-        <p:nvPr/>
-      </p:nvGrpSpPr>
-      <p:grpSpPr>
-        <a:xfrm>
-          <a:off x="0" y="0"/>
-          <a:ext cx="0" cy="0"/>
-          <a:chOff x="0" y="0"/>
-          <a:chExt cx="0" cy="0"/>
-        </a:xfrm>
-      </p:grpSpPr>
-      <p:pic>
-        <p:nvPicPr>
-          <p:cNvPr id="7" name="圖片 6">
-            <a:extLst>
-              <a:ext uri="{FF2B5EF4-FFF2-40B4-BE49-F238E27FC236}">
-                <a16:creationId xmlns="" xmlns:a16="http://schemas.microsoft.com/office/drawing/2014/main" id="{424265E6-5C25-4EDD-919C-12F02534A34A}"/>
-              </a:ext>
-            </a:extLst>
-          </p:cNvPr>
-          <p:cNvPicPr>
-            <a:picLocks noChangeAspect="1"/>
-          </p:cNvPicPr>
-          <p:nvPr/>
-        </p:nvPicPr>
-        <p:blipFill>
-          <a:blip r:embed="rId2" cstate="print">
-            <a:extLst>
-              <a:ext uri="{28A0092B-C50C-407E-A947-70E740481C1C}">
-                <a14:useLocalDpi xmlns:a14="http://schemas.microsoft.com/office/drawing/2010/main" val="0"/>
-              </a:ext>
-            </a:extLst>
-          </a:blip>
-          <a:stretch>
-            <a:fillRect/>
-          </a:stretch>
-        </p:blipFill>
-        <p:spPr>
-          <a:xfrm>
-            <a:off x="1143000" y="3429000"/>
-            <a:ext cx="3429000" cy="3429000"/>
-          </a:xfrm>
-          <a:prstGeom prst="rect">
-            <a:avLst/>
-          </a:prstGeom>
-        </p:spPr>
-      </p:pic>
-      <p:sp>
-        <p:nvSpPr>
-          <p:cNvPr id="2" name="標題 1"/>
-          <p:cNvSpPr>
-            <a:spLocks noGrp="1"/>
-          </p:cNvSpPr>
-          <p:nvPr>
-            <p:ph type="title"/>
-          </p:nvPr>
-        </p:nvSpPr>
-        <p:spPr/>
-        <p:txBody>
-          <a:bodyPr>
-            <a:normAutofit/>
-          </a:bodyPr>
-          <a:lstStyle/>
-          <a:p>
-            <a:r>
-              <a:rPr lang="zh-TW" altLang="en-US" sz="3000" dirty="0">
-                <a:latin typeface="思源黑體" panose="020B0500000000000000" pitchFamily="34" charset="-120"/>
-                <a:ea typeface="思源黑體" panose="020B0500000000000000" pitchFamily="34" charset="-120"/>
-              </a:rPr>
-              <a:t>蜂鳴器</a:t>
-            </a:r>
-          </a:p>
-        </p:txBody>
-      </p:sp>
-      <p:sp>
-        <p:nvSpPr>
-          <p:cNvPr id="3" name="內容版面配置區 2"/>
-          <p:cNvSpPr>
-            <a:spLocks noGrp="1"/>
-          </p:cNvSpPr>
-          <p:nvPr>
-            <p:ph idx="1"/>
-          </p:nvPr>
-        </p:nvSpPr>
-        <p:spPr/>
-        <p:txBody>
-          <a:bodyPr/>
-          <a:lstStyle/>
-          <a:p>
-            <a:r>
-              <a:rPr lang="zh-TW" altLang="en-US" sz="2400" dirty="0">
-                <a:ea typeface="思源黑體" panose="020B0500000000000000"/>
-              </a:rPr>
-              <a:t>蜂鳴器發聲原理：</a:t>
-            </a:r>
-            <a:r>
-              <a:rPr lang="zh-TW" altLang="en-US" sz="2400" dirty="0">
-                <a:solidFill>
-                  <a:srgbClr val="FF0000"/>
-                </a:solidFill>
-                <a:ea typeface="思源黑體" panose="020B0500000000000000"/>
-              </a:rPr>
-              <a:t>電流</a:t>
-            </a:r>
-            <a:r>
-              <a:rPr lang="zh-TW" altLang="en-US" sz="2400" dirty="0">
-                <a:ea typeface="思源黑體" panose="020B0500000000000000"/>
-              </a:rPr>
-              <a:t>通過</a:t>
-            </a:r>
-            <a:r>
-              <a:rPr lang="zh-TW" altLang="en-US" sz="2400" dirty="0">
-                <a:solidFill>
-                  <a:srgbClr val="FF0000"/>
-                </a:solidFill>
-                <a:ea typeface="思源黑體" panose="020B0500000000000000"/>
-              </a:rPr>
-              <a:t>電磁線圈</a:t>
-            </a:r>
-            <a:r>
-              <a:rPr lang="zh-TW" altLang="en-US" sz="2400" dirty="0">
-                <a:ea typeface="思源黑體" panose="020B0500000000000000"/>
-              </a:rPr>
-              <a:t>產生磁場來驅動</a:t>
-            </a:r>
-            <a:r>
-              <a:rPr lang="zh-TW" altLang="en-US" sz="2400" dirty="0">
-                <a:solidFill>
-                  <a:srgbClr val="FF0000"/>
-                </a:solidFill>
-                <a:ea typeface="思源黑體" panose="020B0500000000000000"/>
-              </a:rPr>
-              <a:t>振動膜。</a:t>
-            </a:r>
-            <a:endParaRPr lang="en-US" altLang="zh-TW" sz="2400" dirty="0">
-              <a:solidFill>
-                <a:srgbClr val="FF0000"/>
-              </a:solidFill>
-              <a:ea typeface="思源黑體" panose="020B0500000000000000"/>
-            </a:endParaRPr>
-          </a:p>
-          <a:p>
-            <a:pPr lvl="1"/>
-            <a:r>
-              <a:rPr lang="zh-TW" altLang="en-US" sz="2100" dirty="0">
-                <a:ea typeface="思源黑體" panose="020B0500000000000000"/>
-              </a:rPr>
-              <a:t>自激式</a:t>
-            </a:r>
-            <a:r>
-              <a:rPr lang="en-US" altLang="zh-TW" sz="2100" dirty="0">
-                <a:ea typeface="思源黑體" panose="020B0500000000000000"/>
-              </a:rPr>
-              <a:t>(</a:t>
-            </a:r>
-            <a:r>
-              <a:rPr lang="zh-TW" altLang="en-US" sz="2100" dirty="0">
-                <a:ea typeface="思源黑體" panose="020B0500000000000000"/>
-              </a:rPr>
-              <a:t>有源</a:t>
-            </a:r>
-            <a:r>
-              <a:rPr lang="en-US" altLang="zh-TW" sz="2100" dirty="0">
-                <a:ea typeface="思源黑體" panose="020B0500000000000000"/>
-              </a:rPr>
-              <a:t>)</a:t>
-            </a:r>
-            <a:r>
-              <a:rPr lang="zh-TW" altLang="en-US" sz="2100" dirty="0">
-                <a:ea typeface="思源黑體" panose="020B0500000000000000"/>
-              </a:rPr>
-              <a:t>蜂鳴器</a:t>
-            </a:r>
-            <a:r>
-              <a:rPr lang="en-US" altLang="zh-TW" sz="2100" dirty="0">
-                <a:ea typeface="思源黑體" panose="020B0500000000000000"/>
-              </a:rPr>
-              <a:t>:</a:t>
-            </a:r>
-            <a:r>
-              <a:rPr lang="zh-TW" altLang="en-US" sz="2100" dirty="0">
-                <a:ea typeface="思源黑體" panose="020B0500000000000000"/>
-              </a:rPr>
-              <a:t>只能發出同頻率的聲音</a:t>
-            </a:r>
-            <a:endParaRPr lang="en-US" altLang="zh-TW" sz="2100" dirty="0">
-              <a:ea typeface="思源黑體" panose="020B0500000000000000"/>
-            </a:endParaRPr>
-          </a:p>
-          <a:p>
-            <a:pPr lvl="1"/>
-            <a:r>
-              <a:rPr lang="zh-TW" altLang="en-US" sz="2100" dirty="0">
-                <a:ea typeface="思源黑體" panose="020B0500000000000000"/>
-              </a:rPr>
-              <a:t>他激式</a:t>
-            </a:r>
-            <a:r>
-              <a:rPr lang="en-US" altLang="zh-TW" sz="2100" dirty="0">
-                <a:ea typeface="思源黑體" panose="020B0500000000000000"/>
-              </a:rPr>
-              <a:t>(</a:t>
-            </a:r>
-            <a:r>
-              <a:rPr lang="zh-TW" altLang="en-US" sz="2100" dirty="0">
-                <a:ea typeface="思源黑體" panose="020B0500000000000000"/>
-              </a:rPr>
-              <a:t>無源</a:t>
-            </a:r>
-            <a:r>
-              <a:rPr lang="en-US" altLang="zh-TW" sz="2100" dirty="0">
-                <a:ea typeface="思源黑體" panose="020B0500000000000000"/>
-              </a:rPr>
-              <a:t>)</a:t>
-            </a:r>
-            <a:r>
-              <a:rPr lang="zh-TW" altLang="en-US" sz="2100" dirty="0">
-                <a:ea typeface="思源黑體" panose="020B0500000000000000"/>
-              </a:rPr>
-              <a:t>蜂鳴器</a:t>
-            </a:r>
-            <a:r>
-              <a:rPr lang="en-US" altLang="zh-TW" sz="2100" dirty="0">
-                <a:ea typeface="思源黑體" panose="020B0500000000000000"/>
-              </a:rPr>
-              <a:t>:</a:t>
-            </a:r>
-            <a:r>
-              <a:rPr lang="zh-TW" altLang="en-US" sz="2100" dirty="0">
-                <a:ea typeface="思源黑體" panose="020B0500000000000000"/>
-              </a:rPr>
-              <a:t>須從外部輸入震盪方波發聲</a:t>
-            </a:r>
-            <a:r>
-              <a:rPr lang="en-US" altLang="zh-TW" sz="2100" dirty="0">
-                <a:ea typeface="思源黑體" panose="020B0500000000000000"/>
-              </a:rPr>
-              <a:t>,</a:t>
-            </a:r>
-            <a:r>
-              <a:rPr lang="zh-TW" altLang="en-US" sz="2100" dirty="0">
-                <a:ea typeface="思源黑體" panose="020B0500000000000000"/>
-              </a:rPr>
-              <a:t>兩腳同長</a:t>
-            </a:r>
-            <a:r>
-              <a:rPr lang="zh-TW" altLang="en-US" sz="2100" dirty="0" smtClean="0">
-                <a:ea typeface="思源黑體" panose="020B0500000000000000"/>
-              </a:rPr>
-              <a:t>但腳位有正負之分</a:t>
-            </a:r>
-            <a:endParaRPr lang="en-US" altLang="zh-TW" sz="2100" dirty="0">
-              <a:ea typeface="思源黑體" panose="020B0500000000000000"/>
-            </a:endParaRPr>
-          </a:p>
-        </p:txBody>
-      </p:sp>
-      <p:sp>
-        <p:nvSpPr>
-          <p:cNvPr id="4" name="投影片編號版面配置區 3"/>
-          <p:cNvSpPr>
-            <a:spLocks noGrp="1"/>
-          </p:cNvSpPr>
-          <p:nvPr>
-            <p:ph type="sldNum" sz="quarter" idx="12"/>
-          </p:nvPr>
-        </p:nvSpPr>
-        <p:spPr/>
-        <p:txBody>
-          <a:bodyPr/>
-          <a:lstStyle/>
-          <a:p>
-            <a:fld id="{6EDA8E28-6C2D-4537-9849-59635519518D}" type="slidenum">
-              <a:rPr lang="zh-TW" altLang="en-US" smtClean="0"/>
-              <a:pPr/>
-              <a:t>5</a:t>
-            </a:fld>
-            <a:endParaRPr lang="zh-TW" altLang="en-US" dirty="0"/>
-          </a:p>
-        </p:txBody>
-      </p:sp>
-      <p:pic>
-        <p:nvPicPr>
-          <p:cNvPr id="9" name="圖片 8">
-            <a:extLst>
-              <a:ext uri="{FF2B5EF4-FFF2-40B4-BE49-F238E27FC236}">
-                <a16:creationId xmlns="" xmlns:a16="http://schemas.microsoft.com/office/drawing/2014/main" id="{D70D85CC-2205-4EBF-A2EA-B3C208F75434}"/>
-              </a:ext>
-            </a:extLst>
-          </p:cNvPr>
-          <p:cNvPicPr>
-            <a:picLocks noChangeAspect="1"/>
-          </p:cNvPicPr>
-          <p:nvPr/>
-        </p:nvPicPr>
-        <p:blipFill>
-          <a:blip r:embed="rId3">
-            <a:extLst>
-              <a:ext uri="{28A0092B-C50C-407E-A947-70E740481C1C}">
-                <a14:useLocalDpi xmlns:a14="http://schemas.microsoft.com/office/drawing/2010/main" val="0"/>
-              </a:ext>
-            </a:extLst>
-          </a:blip>
-          <a:stretch>
-            <a:fillRect/>
-          </a:stretch>
-        </p:blipFill>
-        <p:spPr>
-          <a:xfrm>
-            <a:off x="5086350" y="4076700"/>
-            <a:ext cx="3619500" cy="2133600"/>
-          </a:xfrm>
-          <a:prstGeom prst="rect">
-            <a:avLst/>
-          </a:prstGeom>
-        </p:spPr>
-      </p:pic>
-      <p:pic>
-        <p:nvPicPr>
-          <p:cNvPr id="8" name="圖片 7">
-            <a:extLst>
-              <a:ext uri="{FF2B5EF4-FFF2-40B4-BE49-F238E27FC236}">
-                <a16:creationId xmlns="" xmlns:a16="http://schemas.microsoft.com/office/drawing/2014/main" id="{D70D85CC-2205-4EBF-A2EA-B3C208F75434}"/>
-              </a:ext>
-            </a:extLst>
-          </p:cNvPr>
-          <p:cNvPicPr>
-            <a:picLocks noChangeAspect="1"/>
-          </p:cNvPicPr>
-          <p:nvPr/>
-        </p:nvPicPr>
-        <p:blipFill>
-          <a:blip r:embed="rId3">
-            <a:extLst>
-              <a:ext uri="{28A0092B-C50C-407E-A947-70E740481C1C}">
-                <a14:useLocalDpi xmlns:a14="http://schemas.microsoft.com/office/drawing/2010/main" val="0"/>
-              </a:ext>
-            </a:extLst>
-          </a:blip>
-          <a:stretch>
-            <a:fillRect/>
-          </a:stretch>
-        </p:blipFill>
-        <p:spPr>
-          <a:xfrm>
-            <a:off x="5057775" y="4076700"/>
-            <a:ext cx="3619500" cy="2133600"/>
-          </a:xfrm>
-          <a:prstGeom prst="rect">
-            <a:avLst/>
-          </a:prstGeom>
-        </p:spPr>
-      </p:pic>
-    </p:spTree>
-    <p:extLst>
-      <p:ext uri="{BB962C8B-B14F-4D97-AF65-F5344CB8AC3E}">
-        <p14:creationId xmlns:p14="http://schemas.microsoft.com/office/powerpoint/2010/main" val="3982159328"/>
-      </p:ext>
-    </p:extLst>
-  </p:cSld>
-  <p:clrMapOvr>
-    <a:masterClrMapping/>
-  </p:clrMapOvr>
-</p:sld>
-</file>
-
-<file path=ppt/slides/slide7.xml><?xml version="1.0" encoding="utf-8"?>
-<p:sld xmlns:a="http://schemas.openxmlformats.org/drawingml/2006/main" xmlns:r="http://schemas.openxmlformats.org/officeDocument/2006/relationships" xmlns:p="http://schemas.openxmlformats.org/presentationml/2006/main">
-  <p:cSld>
-    <p:spTree>
-      <p:nvGrpSpPr>
-        <p:cNvPr id="1" name=""/>
-        <p:cNvGrpSpPr/>
-        <p:nvPr/>
-      </p:nvGrpSpPr>
-      <p:grpSpPr>
-        <a:xfrm>
-          <a:off x="0" y="0"/>
-          <a:ext cx="0" cy="0"/>
-          <a:chOff x="0" y="0"/>
-          <a:chExt cx="0" cy="0"/>
-        </a:xfrm>
-      </p:grpSpPr>
-      <p:sp>
-        <p:nvSpPr>
-          <p:cNvPr id="2" name="標題 1"/>
-          <p:cNvSpPr>
-            <a:spLocks noGrp="1"/>
-          </p:cNvSpPr>
-          <p:nvPr>
-            <p:ph type="ctrTitle"/>
-          </p:nvPr>
-        </p:nvSpPr>
-        <p:spPr>
-          <a:xfrm>
-            <a:off x="0" y="1122363"/>
-            <a:ext cx="9144000" cy="2387600"/>
-          </a:xfrm>
-        </p:spPr>
-        <p:txBody>
-          <a:bodyPr>
-            <a:normAutofit/>
-          </a:bodyPr>
-          <a:lstStyle/>
-          <a:p>
-            <a:r>
-              <a:rPr lang="zh-TW" altLang="en-US" sz="3600" dirty="0">
-                <a:latin typeface="思源黑體" panose="020B0500000000000000" pitchFamily="34" charset="-120"/>
-                <a:ea typeface="思源黑體" panose="020B0500000000000000" pitchFamily="34" charset="-120"/>
-              </a:rPr>
-              <a:t>按鍵蜂鳴器實驗</a:t>
-            </a:r>
-          </a:p>
-        </p:txBody>
-      </p:sp>
-      <p:sp>
-        <p:nvSpPr>
-          <p:cNvPr id="3" name="副標題 2"/>
-          <p:cNvSpPr>
-            <a:spLocks noGrp="1"/>
-          </p:cNvSpPr>
-          <p:nvPr>
-            <p:ph type="subTitle" idx="1"/>
-          </p:nvPr>
-        </p:nvSpPr>
-        <p:spPr/>
-        <p:txBody>
-          <a:bodyPr/>
-          <a:lstStyle/>
-          <a:p>
-            <a:endParaRPr lang="zh-TW" altLang="en-US" dirty="0"/>
-          </a:p>
-        </p:txBody>
-      </p:sp>
-    </p:spTree>
-    <p:extLst>
-      <p:ext uri="{BB962C8B-B14F-4D97-AF65-F5344CB8AC3E}">
-        <p14:creationId xmlns:p14="http://schemas.microsoft.com/office/powerpoint/2010/main" val="3240073125"/>
-      </p:ext>
-    </p:extLst>
-  </p:cSld>
-  <p:clrMapOvr>
-    <a:masterClrMapping/>
-  </p:clrMapOvr>
-</p:sld>
-</file>
-
-<file path=ppt/slides/slide8.xml><?xml version="1.0" encoding="utf-8"?>
-<p:sld xmlns:a="http://schemas.openxmlformats.org/drawingml/2006/main" xmlns:r="http://schemas.openxmlformats.org/officeDocument/2006/relationships" xmlns:p="http://schemas.openxmlformats.org/presentationml/2006/main">
-  <p:cSld>
-    <p:spTree>
-      <p:nvGrpSpPr>
-        <p:cNvPr id="1" name=""/>
-        <p:cNvGrpSpPr/>
-        <p:nvPr/>
-      </p:nvGrpSpPr>
-      <p:grpSpPr>
-        <a:xfrm>
-          <a:off x="0" y="0"/>
-          <a:ext cx="0" cy="0"/>
-          <a:chOff x="0" y="0"/>
-          <a:chExt cx="0" cy="0"/>
-        </a:xfrm>
-      </p:grpSpPr>
-      <p:sp>
-        <p:nvSpPr>
-          <p:cNvPr id="2" name="標題 1">
-            <a:extLst>
-              <a:ext uri="{FF2B5EF4-FFF2-40B4-BE49-F238E27FC236}">
                 <a16:creationId xmlns="" xmlns:a16="http://schemas.microsoft.com/office/drawing/2014/main" id="{8814A709-C4CF-478A-A3C7-59B9E8C2A86D}"/>
               </a:ext>
             </a:extLst>
@@ -5419,164 +4148,19 @@
           <a:p>
             <a:r>
               <a:rPr lang="zh-TW" altLang="en-US" dirty="0">
-                <a:latin typeface="思源黑體" panose="020B0500000000000000" pitchFamily="34" charset="-120"/>
                 <a:ea typeface="思源黑體" panose="020B0500000000000000" pitchFamily="34" charset="-120"/>
               </a:rPr>
               <a:t>實驗步驟</a:t>
             </a:r>
             <a:r>
               <a:rPr lang="en-US" altLang="zh-TW" dirty="0">
-                <a:latin typeface="思源黑體" panose="020B0500000000000000" pitchFamily="34" charset="-120"/>
                 <a:ea typeface="思源黑體" panose="020B0500000000000000" pitchFamily="34" charset="-120"/>
               </a:rPr>
-              <a:t>(1/5)</a:t>
+              <a:t>(5/5)</a:t>
             </a:r>
             <a:endParaRPr lang="zh-TW" altLang="en-US" dirty="0">
-              <a:latin typeface="思源黑體" panose="020B0500000000000000" pitchFamily="34" charset="-120"/>
               <a:ea typeface="思源黑體" panose="020B0500000000000000" pitchFamily="34" charset="-120"/>
             </a:endParaRPr>
-          </a:p>
-        </p:txBody>
-      </p:sp>
-      <p:sp>
-        <p:nvSpPr>
-          <p:cNvPr id="3" name="內容版面配置區 2">
-            <a:extLst>
-              <a:ext uri="{FF2B5EF4-FFF2-40B4-BE49-F238E27FC236}">
-                <a16:creationId xmlns="" xmlns:a16="http://schemas.microsoft.com/office/drawing/2014/main" id="{223C93C8-570F-4B5C-84DC-A1CC54800E14}"/>
-              </a:ext>
-            </a:extLst>
-          </p:cNvPr>
-          <p:cNvSpPr>
-            <a:spLocks noGrp="1"/>
-          </p:cNvSpPr>
-          <p:nvPr>
-            <p:ph idx="1"/>
-          </p:nvPr>
-        </p:nvSpPr>
-        <p:spPr>
-          <a:xfrm>
-            <a:off x="628650" y="1825625"/>
-            <a:ext cx="7886700" cy="4351338"/>
-          </a:xfrm>
-        </p:spPr>
-        <p:txBody>
-          <a:bodyPr/>
-          <a:lstStyle/>
-          <a:p>
-            <a:r>
-              <a:rPr lang="zh-TW" altLang="en-US" dirty="0">
-                <a:latin typeface="思源黑體" panose="020B0500000000000000" pitchFamily="34" charset="-120"/>
-                <a:ea typeface="思源黑體" panose="020B0500000000000000"/>
-              </a:rPr>
-              <a:t>將蜂鳴器、按鍵與樹梅派用</a:t>
-            </a:r>
-            <a:endParaRPr lang="en-US" altLang="zh-TW" dirty="0">
-              <a:latin typeface="思源黑體" panose="020B0500000000000000" pitchFamily="34" charset="-120"/>
-              <a:ea typeface="思源黑體" panose="020B0500000000000000"/>
-            </a:endParaRPr>
-          </a:p>
-          <a:p>
-            <a:pPr marL="0" indent="0">
-              <a:buNone/>
-            </a:pPr>
-            <a:r>
-              <a:rPr lang="zh-TW" altLang="en-US" dirty="0">
-                <a:latin typeface="思源黑體" panose="020B0500000000000000" pitchFamily="34" charset="-120"/>
-                <a:ea typeface="思源黑體" panose="020B0500000000000000"/>
-              </a:rPr>
-              <a:t>杜邦線連接</a:t>
-            </a:r>
-            <a:endParaRPr lang="en-US" altLang="zh-TW" dirty="0">
-              <a:latin typeface="思源黑體" panose="020B0500000000000000" pitchFamily="34" charset="-120"/>
-              <a:ea typeface="思源黑體" panose="020B0500000000000000"/>
-            </a:endParaRPr>
-          </a:p>
-          <a:p>
-            <a:pPr marL="0" indent="0">
-              <a:buNone/>
-            </a:pPr>
-            <a:endParaRPr lang="en-US" altLang="zh-TW" dirty="0">
-              <a:ea typeface="思源黑體" panose="020B0500000000000000"/>
-            </a:endParaRPr>
-          </a:p>
-          <a:p>
-            <a:r>
-              <a:rPr lang="en-US" altLang="zh-TW" dirty="0" err="1">
-                <a:ea typeface="思源黑體" panose="020B0500000000000000"/>
-              </a:rPr>
-              <a:t>Vcc</a:t>
-            </a:r>
-            <a:r>
-              <a:rPr lang="en-US" altLang="zh-TW" dirty="0">
-                <a:ea typeface="思源黑體" panose="020B0500000000000000"/>
-              </a:rPr>
-              <a:t>   </a:t>
-            </a:r>
-            <a:r>
-              <a:rPr lang="zh-TW" altLang="en-US" dirty="0">
-                <a:ea typeface="思源黑體" panose="020B0500000000000000"/>
-              </a:rPr>
-              <a:t>：</a:t>
-            </a:r>
-            <a:r>
-              <a:rPr lang="zh-TW" altLang="en-US" dirty="0">
-                <a:latin typeface="思源黑體" panose="020B0500000000000000" pitchFamily="34" charset="-120"/>
-                <a:ea typeface="思源黑體" panose="020B0500000000000000"/>
-              </a:rPr>
-              <a:t>腳位</a:t>
-            </a:r>
-            <a:r>
-              <a:rPr lang="en-US" altLang="zh-TW" dirty="0">
-                <a:ea typeface="思源黑體" panose="020B0500000000000000"/>
-              </a:rPr>
-              <a:t>2</a:t>
-            </a:r>
-          </a:p>
-          <a:p>
-            <a:r>
-              <a:rPr lang="en-US" altLang="zh-TW" dirty="0">
-                <a:ea typeface="思源黑體" panose="020B0500000000000000"/>
-              </a:rPr>
-              <a:t>GND</a:t>
-            </a:r>
-            <a:r>
-              <a:rPr lang="zh-TW" altLang="en-US" dirty="0">
-                <a:ea typeface="思源黑體" panose="020B0500000000000000"/>
-              </a:rPr>
-              <a:t>：</a:t>
-            </a:r>
-            <a:r>
-              <a:rPr lang="zh-TW" altLang="en-US" dirty="0">
-                <a:latin typeface="思源黑體" panose="020B0500000000000000" pitchFamily="34" charset="-120"/>
-                <a:ea typeface="思源黑體" panose="020B0500000000000000"/>
-              </a:rPr>
-              <a:t>腳位</a:t>
-            </a:r>
-            <a:r>
-              <a:rPr lang="en-US" altLang="zh-TW" dirty="0">
-                <a:latin typeface="思源黑體" panose="020B0500000000000000" pitchFamily="34" charset="-120"/>
-                <a:ea typeface="思源黑體" panose="020B0500000000000000"/>
-              </a:rPr>
-              <a:t>6</a:t>
-            </a:r>
-          </a:p>
-          <a:p>
-            <a:r>
-              <a:rPr lang="zh-TW" altLang="en-US" dirty="0">
-                <a:ea typeface="思源黑體" panose="020B0500000000000000"/>
-              </a:rPr>
-              <a:t>按鍵</a:t>
-            </a:r>
-            <a:r>
-              <a:rPr lang="en-US" altLang="zh-TW" dirty="0">
-                <a:ea typeface="思源黑體" panose="020B0500000000000000"/>
-              </a:rPr>
-              <a:t>:GPIO17</a:t>
-            </a:r>
-          </a:p>
-          <a:p>
-            <a:endParaRPr lang="zh-TW" altLang="en-US" dirty="0"/>
           </a:p>
         </p:txBody>
       </p:sp>
@@ -5604,145 +4188,7 @@
             <a:fld id="{6EDA8E28-6C2D-4537-9849-59635519518D}" type="slidenum">
               <a:rPr lang="zh-TW" altLang="en-US" smtClean="0"/>
               <a:pPr/>
-              <a:t>7</a:t>
-            </a:fld>
-            <a:endParaRPr lang="zh-TW" altLang="en-US" dirty="0"/>
-          </a:p>
-        </p:txBody>
-      </p:sp>
-      <p:pic>
-        <p:nvPicPr>
-          <p:cNvPr id="7" name="圖片 6">
-            <a:extLst>
-              <a:ext uri="{FF2B5EF4-FFF2-40B4-BE49-F238E27FC236}">
-                <a16:creationId xmlns="" xmlns:a16="http://schemas.microsoft.com/office/drawing/2014/main" id="{51B9EC5C-82CF-4251-B930-35F468EEBCFA}"/>
-              </a:ext>
-            </a:extLst>
-          </p:cNvPr>
-          <p:cNvPicPr>
-            <a:picLocks noChangeAspect="1"/>
-          </p:cNvPicPr>
-          <p:nvPr/>
-        </p:nvPicPr>
-        <p:blipFill>
-          <a:blip r:embed="rId2">
-            <a:extLst>
-              <a:ext uri="{28A0092B-C50C-407E-A947-70E740481C1C}">
-                <a14:useLocalDpi xmlns:a14="http://schemas.microsoft.com/office/drawing/2010/main" val="0"/>
-              </a:ext>
-            </a:extLst>
-          </a:blip>
-          <a:stretch>
-            <a:fillRect/>
-          </a:stretch>
-        </p:blipFill>
-        <p:spPr>
-          <a:xfrm>
-            <a:off x="3943350" y="2454906"/>
-            <a:ext cx="4572000" cy="2862588"/>
-          </a:xfrm>
-          <a:prstGeom prst="rect">
-            <a:avLst/>
-          </a:prstGeom>
-        </p:spPr>
-      </p:pic>
-    </p:spTree>
-    <p:extLst>
-      <p:ext uri="{BB962C8B-B14F-4D97-AF65-F5344CB8AC3E}">
-        <p14:creationId xmlns:p14="http://schemas.microsoft.com/office/powerpoint/2010/main" val="452438406"/>
-      </p:ext>
-    </p:extLst>
-  </p:cSld>
-  <p:clrMapOvr>
-    <a:masterClrMapping/>
-  </p:clrMapOvr>
-</p:sld>
-</file>
-
-<file path=ppt/slides/slide9.xml><?xml version="1.0" encoding="utf-8"?>
-<p:sld xmlns:a="http://schemas.openxmlformats.org/drawingml/2006/main" xmlns:r="http://schemas.openxmlformats.org/officeDocument/2006/relationships" xmlns:p="http://schemas.openxmlformats.org/presentationml/2006/main">
-  <p:cSld>
-    <p:spTree>
-      <p:nvGrpSpPr>
-        <p:cNvPr id="1" name=""/>
-        <p:cNvGrpSpPr/>
-        <p:nvPr/>
-      </p:nvGrpSpPr>
-      <p:grpSpPr>
-        <a:xfrm>
-          <a:off x="0" y="0"/>
-          <a:ext cx="0" cy="0"/>
-          <a:chOff x="0" y="0"/>
-          <a:chExt cx="0" cy="0"/>
-        </a:xfrm>
-      </p:grpSpPr>
-      <p:sp>
-        <p:nvSpPr>
-          <p:cNvPr id="2" name="標題 1">
-            <a:extLst>
-              <a:ext uri="{FF2B5EF4-FFF2-40B4-BE49-F238E27FC236}">
-                <a16:creationId xmlns="" xmlns:a16="http://schemas.microsoft.com/office/drawing/2014/main" id="{8814A709-C4CF-478A-A3C7-59B9E8C2A86D}"/>
-              </a:ext>
-            </a:extLst>
-          </p:cNvPr>
-          <p:cNvSpPr>
-            <a:spLocks noGrp="1"/>
-          </p:cNvSpPr>
-          <p:nvPr>
-            <p:ph type="title"/>
-          </p:nvPr>
-        </p:nvSpPr>
-        <p:spPr/>
-        <p:txBody>
-          <a:bodyPr/>
-          <a:lstStyle/>
-          <a:p>
-            <a:r>
-              <a:rPr lang="zh-TW" altLang="en-US" dirty="0">
-                <a:latin typeface="思源黑體" panose="020B0500000000000000" pitchFamily="34" charset="-120"/>
-                <a:ea typeface="思源黑體" panose="020B0500000000000000" pitchFamily="34" charset="-120"/>
-              </a:rPr>
-              <a:t>實驗步驟</a:t>
-            </a:r>
-            <a:r>
-              <a:rPr lang="en-US" altLang="zh-TW" dirty="0">
-                <a:latin typeface="思源黑體" panose="020B0500000000000000" pitchFamily="34" charset="-120"/>
-                <a:ea typeface="思源黑體" panose="020B0500000000000000" pitchFamily="34" charset="-120"/>
-              </a:rPr>
-              <a:t>(2/5)</a:t>
-            </a:r>
-            <a:endParaRPr lang="zh-TW" altLang="en-US" dirty="0">
-              <a:latin typeface="思源黑體" panose="020B0500000000000000" pitchFamily="34" charset="-120"/>
-              <a:ea typeface="思源黑體" panose="020B0500000000000000" pitchFamily="34" charset="-120"/>
-            </a:endParaRPr>
-          </a:p>
-        </p:txBody>
-      </p:sp>
-      <p:sp>
-        <p:nvSpPr>
-          <p:cNvPr id="4" name="投影片編號版面配置區 3">
-            <a:extLst>
-              <a:ext uri="{FF2B5EF4-FFF2-40B4-BE49-F238E27FC236}">
-                <a16:creationId xmlns="" xmlns:a16="http://schemas.microsoft.com/office/drawing/2014/main" id="{3609CE93-3EBD-42F4-A920-474BD036FD15}"/>
-              </a:ext>
-            </a:extLst>
-          </p:cNvPr>
-          <p:cNvSpPr>
-            <a:spLocks noGrp="1"/>
-          </p:cNvSpPr>
-          <p:nvPr>
-            <p:ph type="sldNum" sz="quarter" idx="12"/>
-          </p:nvPr>
-        </p:nvSpPr>
-        <p:spPr/>
-        <p:txBody>
-          <a:bodyPr/>
-          <a:lstStyle/>
-          <a:p>
-            <a:fld id="{6EDA8E28-6C2D-4537-9849-59635519518D}" type="slidenum">
-              <a:rPr lang="zh-TW" altLang="en-US" smtClean="0"/>
-              <a:pPr/>
-              <a:t>8</a:t>
+              <a:t>12</a:t>
             </a:fld>
             <a:endParaRPr lang="zh-TW" altLang="en-US" dirty="0"/>
           </a:p>
@@ -5941,83 +4387,20 @@
           </a:lstStyle>
           <a:p>
             <a:r>
-              <a:rPr lang="zh-TW" altLang="en-US" dirty="0" smtClean="0">
-                <a:latin typeface="思源黑體" panose="020B0500000000000000" pitchFamily="34" charset="-120"/>
+              <a:rPr lang="zh-TW" altLang="en-US" sz="2400" dirty="0" smtClean="0">
                 <a:ea typeface="思源黑體" panose="020B0500000000000000" pitchFamily="34" charset="-120"/>
               </a:rPr>
-              <a:t>將各音高與</a:t>
-            </a:r>
-            <a:r>
-              <a:rPr lang="en-US" altLang="zh-TW" dirty="0" smtClean="0">
-                <a:latin typeface="思源黑體" panose="020B0500000000000000" pitchFamily="34" charset="-120"/>
-                <a:ea typeface="思源黑體" panose="020B0500000000000000" pitchFamily="34" charset="-120"/>
-              </a:rPr>
-              <a:t>GPIO</a:t>
-            </a:r>
-            <a:r>
-              <a:rPr lang="zh-TW" altLang="en-US" dirty="0" smtClean="0">
-                <a:latin typeface="思源黑體" panose="020B0500000000000000" pitchFamily="34" charset="-120"/>
-                <a:ea typeface="思源黑體" panose="020B0500000000000000" pitchFamily="34" charset="-120"/>
-              </a:rPr>
-              <a:t>腳位設定完成。</a:t>
-            </a:r>
-            <a:endParaRPr lang="en-US" altLang="zh-TW" dirty="0" smtClean="0">
-              <a:latin typeface="思源黑體" panose="020B0500000000000000" pitchFamily="34" charset="-120"/>
+              <a:t>偵測是否有新事件發生</a:t>
+            </a:r>
+            <a:endParaRPr lang="zh-TW" altLang="en-US" sz="2400" dirty="0">
               <a:ea typeface="思源黑體" panose="020B0500000000000000" pitchFamily="34" charset="-120"/>
             </a:endParaRPr>
           </a:p>
-          <a:p>
-            <a:r>
-              <a:rPr lang="zh-TW" altLang="en-US" dirty="0" smtClean="0">
-                <a:latin typeface="思源黑體" panose="020B0500000000000000" pitchFamily="34" charset="-120"/>
-                <a:ea typeface="思源黑體" panose="020B0500000000000000" pitchFamily="34" charset="-120"/>
-              </a:rPr>
-              <a:t>將按鍵腳位設定為</a:t>
-            </a:r>
-            <a:r>
-              <a:rPr lang="en-US" altLang="zh-TW" dirty="0" smtClean="0">
-                <a:latin typeface="思源黑體" panose="020B0500000000000000" pitchFamily="34" charset="-120"/>
-                <a:ea typeface="思源黑體" panose="020B0500000000000000" pitchFamily="34" charset="-120"/>
-              </a:rPr>
-              <a:t>GPIO17,</a:t>
-            </a:r>
-            <a:r>
-              <a:rPr lang="zh-TW" altLang="en-US" dirty="0" smtClean="0">
-                <a:latin typeface="思源黑體" panose="020B0500000000000000" pitchFamily="34" charset="-120"/>
-                <a:ea typeface="思源黑體" panose="020B0500000000000000" pitchFamily="34" charset="-120"/>
-              </a:rPr>
-              <a:t>並將之設定為</a:t>
-            </a:r>
-            <a:r>
-              <a:rPr lang="en-US" altLang="zh-TW" dirty="0" smtClean="0">
-                <a:latin typeface="思源黑體" panose="020B0500000000000000" pitchFamily="34" charset="-120"/>
-                <a:ea typeface="思源黑體" panose="020B0500000000000000" pitchFamily="34" charset="-120"/>
-              </a:rPr>
-              <a:t>input</a:t>
-            </a:r>
-            <a:r>
-              <a:rPr lang="zh-TW" altLang="en-US" dirty="0" smtClean="0">
-                <a:latin typeface="思源黑體" panose="020B0500000000000000" pitchFamily="34" charset="-120"/>
-                <a:ea typeface="思源黑體" panose="020B0500000000000000" pitchFamily="34" charset="-120"/>
-              </a:rPr>
-              <a:t>。</a:t>
-            </a:r>
-            <a:endParaRPr lang="en-US" altLang="zh-TW" dirty="0" smtClean="0">
-              <a:latin typeface="思源黑體" panose="020B0500000000000000" pitchFamily="34" charset="-120"/>
-              <a:ea typeface="思源黑體" panose="020B0500000000000000" pitchFamily="34" charset="-120"/>
-            </a:endParaRPr>
-          </a:p>
-          <a:p>
-            <a:endParaRPr lang="en-US" altLang="zh-TW" dirty="0" smtClean="0">
-              <a:latin typeface="思源黑體" panose="020B0500000000000000" pitchFamily="34" charset="-120"/>
-              <a:ea typeface="思源黑體" panose="020B0500000000000000" pitchFamily="34" charset="-120"/>
-            </a:endParaRPr>
-          </a:p>
         </p:txBody>
       </p:sp>
       <p:pic>
         <p:nvPicPr>
-          <p:cNvPr id="3" name="圖片 2"/>
+          <p:cNvPr id="6" name="圖片 5"/>
           <p:cNvPicPr>
             <a:picLocks noChangeAspect="1"/>
           </p:cNvPicPr>
@@ -6037,8 +4420,8 @@
         </p:blipFill>
         <p:spPr>
           <a:xfrm>
-            <a:off x="2349500" y="2650833"/>
-            <a:ext cx="4445000" cy="3888086"/>
+            <a:off x="1155700" y="3086100"/>
+            <a:ext cx="6819900" cy="673100"/>
           </a:xfrm>
           <a:prstGeom prst="rect">
             <a:avLst/>
@@ -6048,7 +4431,1785 @@
     </p:spTree>
     <p:extLst>
       <p:ext uri="{BB962C8B-B14F-4D97-AF65-F5344CB8AC3E}">
-        <p14:creationId xmlns:p14="http://schemas.microsoft.com/office/powerpoint/2010/main" val="3132163487"/>
+        <p14:creationId xmlns:p14="http://schemas.microsoft.com/office/powerpoint/2010/main" val="3074964729"/>
+      </p:ext>
+    </p:extLst>
+  </p:cSld>
+  <p:clrMapOvr>
+    <a:masterClrMapping/>
+  </p:clrMapOvr>
+</p:sld>
+</file>
+
+<file path=ppt/slides/slide14.xml><?xml version="1.0" encoding="utf-8"?>
+<p:sld xmlns:a="http://schemas.openxmlformats.org/drawingml/2006/main" xmlns:r="http://schemas.openxmlformats.org/officeDocument/2006/relationships" xmlns:p="http://schemas.openxmlformats.org/presentationml/2006/main">
+  <p:cSld>
+    <p:spTree>
+      <p:nvGrpSpPr>
+        <p:cNvPr id="1" name=""/>
+        <p:cNvGrpSpPr/>
+        <p:nvPr/>
+      </p:nvGrpSpPr>
+      <p:grpSpPr>
+        <a:xfrm>
+          <a:off x="0" y="0"/>
+          <a:ext cx="0" cy="0"/>
+          <a:chOff x="0" y="0"/>
+          <a:chExt cx="0" cy="0"/>
+        </a:xfrm>
+      </p:grpSpPr>
+      <p:sp>
+        <p:nvSpPr>
+          <p:cNvPr id="2" name="標題 1">
+            <a:extLst>
+              <a:ext uri="{FF2B5EF4-FFF2-40B4-BE49-F238E27FC236}">
+                <a16:creationId xmlns="" xmlns:a16="http://schemas.microsoft.com/office/drawing/2014/main" id="{569DD958-968B-4E66-982F-DD8E33866C79}"/>
+              </a:ext>
+            </a:extLst>
+          </p:cNvPr>
+          <p:cNvSpPr>
+            <a:spLocks noGrp="1"/>
+          </p:cNvSpPr>
+          <p:nvPr>
+            <p:ph type="title"/>
+          </p:nvPr>
+        </p:nvSpPr>
+        <p:spPr/>
+        <p:txBody>
+          <a:bodyPr>
+            <a:normAutofit/>
+          </a:bodyPr>
+          <a:lstStyle/>
+          <a:p>
+            <a:r>
+              <a:rPr lang="zh-TW" altLang="en-US" dirty="0">
+                <a:ea typeface="思源黑體" panose="020B0500000000000000" pitchFamily="34" charset="-120"/>
+              </a:rPr>
+              <a:t>課堂實作</a:t>
+            </a:r>
+            <a:endParaRPr lang="zh-TW" altLang="en-US" dirty="0"/>
+          </a:p>
+        </p:txBody>
+      </p:sp>
+      <p:sp>
+        <p:nvSpPr>
+          <p:cNvPr id="3" name="內容版面配置區 2">
+            <a:extLst>
+              <a:ext uri="{FF2B5EF4-FFF2-40B4-BE49-F238E27FC236}">
+                <a16:creationId xmlns="" xmlns:a16="http://schemas.microsoft.com/office/drawing/2014/main" id="{58C4D19B-43EB-44FB-A8A5-357C771C9CCF}"/>
+              </a:ext>
+            </a:extLst>
+          </p:cNvPr>
+          <p:cNvSpPr>
+            <a:spLocks noGrp="1"/>
+          </p:cNvSpPr>
+          <p:nvPr>
+            <p:ph idx="1"/>
+          </p:nvPr>
+        </p:nvSpPr>
+        <p:spPr/>
+        <p:txBody>
+          <a:bodyPr>
+            <a:normAutofit/>
+          </a:bodyPr>
+          <a:lstStyle/>
+          <a:p>
+            <a:pPr lvl="1"/>
+            <a:r>
+              <a:rPr lang="zh-TW" altLang="en-US" sz="2400" dirty="0" smtClean="0">
+                <a:latin typeface="+mn-ea"/>
+              </a:rPr>
+              <a:t>製作至少能發出三個音頻的電子鋼琴</a:t>
+            </a:r>
+            <a:endParaRPr lang="en-US" altLang="zh-TW" sz="2400" dirty="0">
+              <a:latin typeface="+mn-ea"/>
+            </a:endParaRPr>
+          </a:p>
+          <a:p>
+            <a:pPr lvl="1"/>
+            <a:endParaRPr lang="zh-TW" altLang="en-US" sz="2000" dirty="0"/>
+          </a:p>
+        </p:txBody>
+      </p:sp>
+      <p:sp>
+        <p:nvSpPr>
+          <p:cNvPr id="4" name="投影片編號版面配置區 3">
+            <a:extLst>
+              <a:ext uri="{FF2B5EF4-FFF2-40B4-BE49-F238E27FC236}">
+                <a16:creationId xmlns="" xmlns:a16="http://schemas.microsoft.com/office/drawing/2014/main" id="{D7D161A7-7AE2-4501-A35C-EC559A2CB0F8}"/>
+              </a:ext>
+            </a:extLst>
+          </p:cNvPr>
+          <p:cNvSpPr>
+            <a:spLocks noGrp="1"/>
+          </p:cNvSpPr>
+          <p:nvPr>
+            <p:ph type="sldNum" sz="quarter" idx="12"/>
+          </p:nvPr>
+        </p:nvSpPr>
+        <p:spPr/>
+        <p:txBody>
+          <a:bodyPr/>
+          <a:lstStyle/>
+          <a:p>
+            <a:fld id="{6EDA8E28-6C2D-4537-9849-59635519518D}" type="slidenum">
+              <a:rPr lang="zh-TW" altLang="en-US" smtClean="0"/>
+              <a:pPr/>
+              <a:t>13</a:t>
+            </a:fld>
+            <a:endParaRPr lang="zh-TW" altLang="en-US" dirty="0"/>
+          </a:p>
+        </p:txBody>
+      </p:sp>
+    </p:spTree>
+    <p:extLst>
+      <p:ext uri="{BB962C8B-B14F-4D97-AF65-F5344CB8AC3E}">
+        <p14:creationId xmlns:p14="http://schemas.microsoft.com/office/powerpoint/2010/main" val="2228714557"/>
+      </p:ext>
+    </p:extLst>
+  </p:cSld>
+  <p:clrMapOvr>
+    <a:masterClrMapping/>
+  </p:clrMapOvr>
+</p:sld>
+</file>
+
+<file path=ppt/slides/slide2.xml><?xml version="1.0" encoding="utf-8"?>
+<p:sld xmlns:a="http://schemas.openxmlformats.org/drawingml/2006/main" xmlns:r="http://schemas.openxmlformats.org/officeDocument/2006/relationships" xmlns:p="http://schemas.openxmlformats.org/presentationml/2006/main">
+  <p:cSld>
+    <p:spTree>
+      <p:nvGrpSpPr>
+        <p:cNvPr id="1" name=""/>
+        <p:cNvGrpSpPr/>
+        <p:nvPr/>
+      </p:nvGrpSpPr>
+      <p:grpSpPr>
+        <a:xfrm>
+          <a:off x="0" y="0"/>
+          <a:ext cx="0" cy="0"/>
+          <a:chOff x="0" y="0"/>
+          <a:chExt cx="0" cy="0"/>
+        </a:xfrm>
+      </p:grpSpPr>
+      <p:sp>
+        <p:nvSpPr>
+          <p:cNvPr id="2" name="標題 1">
+            <a:extLst>
+              <a:ext uri="{FF2B5EF4-FFF2-40B4-BE49-F238E27FC236}">
+                <a16:creationId xmlns="" xmlns:a16="http://schemas.microsoft.com/office/drawing/2014/main" id="{0BAF786D-40D2-4A31-BB3A-D909CB3F2442}"/>
+              </a:ext>
+            </a:extLst>
+          </p:cNvPr>
+          <p:cNvSpPr>
+            <a:spLocks noGrp="1"/>
+          </p:cNvSpPr>
+          <p:nvPr>
+            <p:ph type="title"/>
+          </p:nvPr>
+        </p:nvSpPr>
+        <p:spPr/>
+        <p:txBody>
+          <a:bodyPr/>
+          <a:lstStyle/>
+          <a:p>
+            <a:r>
+              <a:rPr lang="en-US" altLang="zh-TW" dirty="0">
+                <a:ea typeface="思源黑體" panose="020B0500000000000000" pitchFamily="34" charset="-120"/>
+              </a:rPr>
+              <a:t>OUTLINE</a:t>
+            </a:r>
+            <a:endParaRPr lang="zh-TW" altLang="en-US" dirty="0">
+              <a:ea typeface="思源黑體" panose="020B0500000000000000" pitchFamily="34" charset="-120"/>
+            </a:endParaRPr>
+          </a:p>
+        </p:txBody>
+      </p:sp>
+      <p:sp>
+        <p:nvSpPr>
+          <p:cNvPr id="3" name="內容版面配置區 2">
+            <a:extLst>
+              <a:ext uri="{FF2B5EF4-FFF2-40B4-BE49-F238E27FC236}">
+                <a16:creationId xmlns="" xmlns:a16="http://schemas.microsoft.com/office/drawing/2014/main" id="{A3865ADA-A71D-4258-A22B-9419DA3757E0}"/>
+              </a:ext>
+            </a:extLst>
+          </p:cNvPr>
+          <p:cNvSpPr>
+            <a:spLocks noGrp="1"/>
+          </p:cNvSpPr>
+          <p:nvPr>
+            <p:ph idx="1"/>
+          </p:nvPr>
+        </p:nvSpPr>
+        <p:spPr/>
+        <p:txBody>
+          <a:bodyPr/>
+          <a:lstStyle/>
+          <a:p>
+            <a:r>
+              <a:rPr lang="zh-TW" altLang="en-US" sz="2400" dirty="0">
+                <a:ea typeface="思源黑體" panose="020B0500000000000000" pitchFamily="34" charset="-120"/>
+                <a:cs typeface="+mj-cs"/>
+              </a:rPr>
+              <a:t>實驗硬體介紹</a:t>
+            </a:r>
+            <a:endParaRPr lang="en-US" altLang="zh-TW" sz="2400" dirty="0">
+              <a:ea typeface="思源黑體" panose="020B0500000000000000" pitchFamily="34" charset="-120"/>
+              <a:cs typeface="+mj-cs"/>
+            </a:endParaRPr>
+          </a:p>
+          <a:p>
+            <a:endParaRPr lang="en-US" altLang="zh-TW" sz="2400" dirty="0">
+              <a:ea typeface="思源黑體" panose="020B0500000000000000" pitchFamily="34" charset="-120"/>
+              <a:cs typeface="+mj-cs"/>
+            </a:endParaRPr>
+          </a:p>
+          <a:p>
+            <a:r>
+              <a:rPr lang="zh-TW" altLang="en-US" sz="2400" dirty="0">
+                <a:ea typeface="思源黑體" panose="020B0500000000000000" pitchFamily="34" charset="-120"/>
+                <a:cs typeface="+mj-cs"/>
+              </a:rPr>
+              <a:t>按鍵蜂鳴器實驗</a:t>
+            </a:r>
+            <a:endParaRPr lang="en-US" altLang="zh-TW" sz="2400" dirty="0">
+              <a:ea typeface="思源黑體" panose="020B0500000000000000" pitchFamily="34" charset="-120"/>
+              <a:cs typeface="+mj-cs"/>
+            </a:endParaRPr>
+          </a:p>
+          <a:p>
+            <a:endParaRPr lang="en-US" altLang="zh-TW" sz="2400" dirty="0">
+              <a:ea typeface="思源黑體" panose="020B0500000000000000" pitchFamily="34" charset="-120"/>
+              <a:cs typeface="+mj-cs"/>
+            </a:endParaRPr>
+          </a:p>
+          <a:p>
+            <a:r>
+              <a:rPr lang="zh-TW" altLang="en-US" sz="2400" dirty="0">
+                <a:ea typeface="思源黑體" panose="020B0500000000000000" pitchFamily="34" charset="-120"/>
+                <a:cs typeface="+mj-cs"/>
+              </a:rPr>
+              <a:t>電子鋼琴</a:t>
+            </a:r>
+            <a:endParaRPr lang="en-US" altLang="zh-TW" sz="2400" dirty="0">
+              <a:ea typeface="思源黑體" panose="020B0500000000000000" pitchFamily="34" charset="-120"/>
+              <a:cs typeface="+mj-cs"/>
+            </a:endParaRPr>
+          </a:p>
+          <a:p>
+            <a:endParaRPr lang="en-US" altLang="zh-TW" sz="2400" dirty="0">
+              <a:ea typeface="思源黑體" panose="020B0500000000000000" pitchFamily="34" charset="-120"/>
+              <a:cs typeface="+mj-cs"/>
+            </a:endParaRPr>
+          </a:p>
+          <a:p>
+            <a:r>
+              <a:rPr lang="zh-TW" altLang="en-US" sz="2400" dirty="0">
+                <a:ea typeface="思源黑體" panose="020B0500000000000000" pitchFamily="34" charset="-120"/>
+                <a:cs typeface="+mj-cs"/>
+              </a:rPr>
+              <a:t>課堂實作</a:t>
+            </a:r>
+          </a:p>
+        </p:txBody>
+      </p:sp>
+      <p:sp>
+        <p:nvSpPr>
+          <p:cNvPr id="4" name="投影片編號版面配置區 3">
+            <a:extLst>
+              <a:ext uri="{FF2B5EF4-FFF2-40B4-BE49-F238E27FC236}">
+                <a16:creationId xmlns="" xmlns:a16="http://schemas.microsoft.com/office/drawing/2014/main" id="{D96155B9-D22D-47D0-9969-174223324CF4}"/>
+              </a:ext>
+            </a:extLst>
+          </p:cNvPr>
+          <p:cNvSpPr>
+            <a:spLocks noGrp="1"/>
+          </p:cNvSpPr>
+          <p:nvPr>
+            <p:ph type="sldNum" sz="quarter" idx="12"/>
+          </p:nvPr>
+        </p:nvSpPr>
+        <p:spPr/>
+        <p:txBody>
+          <a:bodyPr/>
+          <a:lstStyle/>
+          <a:p>
+            <a:fld id="{6EDA8E28-6C2D-4537-9849-59635519518D}" type="slidenum">
+              <a:rPr lang="zh-TW" altLang="en-US" smtClean="0"/>
+              <a:pPr/>
+              <a:t>1</a:t>
+            </a:fld>
+            <a:endParaRPr lang="zh-TW" altLang="en-US" dirty="0"/>
+          </a:p>
+        </p:txBody>
+      </p:sp>
+    </p:spTree>
+    <p:extLst>
+      <p:ext uri="{BB962C8B-B14F-4D97-AF65-F5344CB8AC3E}">
+        <p14:creationId xmlns:p14="http://schemas.microsoft.com/office/powerpoint/2010/main" val="3058357558"/>
+      </p:ext>
+    </p:extLst>
+  </p:cSld>
+  <p:clrMapOvr>
+    <a:masterClrMapping/>
+  </p:clrMapOvr>
+</p:sld>
+</file>
+
+<file path=ppt/slides/slide3.xml><?xml version="1.0" encoding="utf-8"?>
+<p:sld xmlns:a="http://schemas.openxmlformats.org/drawingml/2006/main" xmlns:r="http://schemas.openxmlformats.org/officeDocument/2006/relationships" xmlns:p="http://schemas.openxmlformats.org/presentationml/2006/main">
+  <p:cSld>
+    <p:spTree>
+      <p:nvGrpSpPr>
+        <p:cNvPr id="1" name=""/>
+        <p:cNvGrpSpPr/>
+        <p:nvPr/>
+      </p:nvGrpSpPr>
+      <p:grpSpPr>
+        <a:xfrm>
+          <a:off x="0" y="0"/>
+          <a:ext cx="0" cy="0"/>
+          <a:chOff x="0" y="0"/>
+          <a:chExt cx="0" cy="0"/>
+        </a:xfrm>
+      </p:grpSpPr>
+      <p:sp>
+        <p:nvSpPr>
+          <p:cNvPr id="2" name="標題 1"/>
+          <p:cNvSpPr>
+            <a:spLocks noGrp="1"/>
+          </p:cNvSpPr>
+          <p:nvPr>
+            <p:ph type="ctrTitle"/>
+          </p:nvPr>
+        </p:nvSpPr>
+        <p:spPr>
+          <a:xfrm>
+            <a:off x="0" y="1122363"/>
+            <a:ext cx="9144000" cy="2387600"/>
+          </a:xfrm>
+        </p:spPr>
+        <p:txBody>
+          <a:bodyPr>
+            <a:normAutofit/>
+          </a:bodyPr>
+          <a:lstStyle/>
+          <a:p>
+            <a:r>
+              <a:rPr lang="zh-TW" altLang="en-US" sz="3600" dirty="0">
+                <a:latin typeface="+mj-ea"/>
+              </a:rPr>
+              <a:t>實驗硬體介紹</a:t>
+            </a:r>
+          </a:p>
+        </p:txBody>
+      </p:sp>
+      <p:sp>
+        <p:nvSpPr>
+          <p:cNvPr id="3" name="副標題 2"/>
+          <p:cNvSpPr>
+            <a:spLocks noGrp="1"/>
+          </p:cNvSpPr>
+          <p:nvPr>
+            <p:ph type="subTitle" idx="1"/>
+          </p:nvPr>
+        </p:nvSpPr>
+        <p:spPr/>
+        <p:txBody>
+          <a:bodyPr/>
+          <a:lstStyle/>
+          <a:p>
+            <a:endParaRPr lang="zh-TW" altLang="en-US" dirty="0"/>
+          </a:p>
+        </p:txBody>
+      </p:sp>
+    </p:spTree>
+    <p:extLst>
+      <p:ext uri="{BB962C8B-B14F-4D97-AF65-F5344CB8AC3E}">
+        <p14:creationId xmlns:p14="http://schemas.microsoft.com/office/powerpoint/2010/main" val="2785438634"/>
+      </p:ext>
+    </p:extLst>
+  </p:cSld>
+  <p:clrMapOvr>
+    <a:masterClrMapping/>
+  </p:clrMapOvr>
+</p:sld>
+</file>
+
+<file path=ppt/slides/slide4.xml><?xml version="1.0" encoding="utf-8"?>
+<p:sld xmlns:a="http://schemas.openxmlformats.org/drawingml/2006/main" xmlns:r="http://schemas.openxmlformats.org/officeDocument/2006/relationships" xmlns:p="http://schemas.openxmlformats.org/presentationml/2006/main">
+  <p:cSld>
+    <p:spTree>
+      <p:nvGrpSpPr>
+        <p:cNvPr id="1" name=""/>
+        <p:cNvGrpSpPr/>
+        <p:nvPr/>
+      </p:nvGrpSpPr>
+      <p:grpSpPr>
+        <a:xfrm>
+          <a:off x="0" y="0"/>
+          <a:ext cx="0" cy="0"/>
+          <a:chOff x="0" y="0"/>
+          <a:chExt cx="0" cy="0"/>
+        </a:xfrm>
+      </p:grpSpPr>
+      <p:sp>
+        <p:nvSpPr>
+          <p:cNvPr id="2" name="標題 1"/>
+          <p:cNvSpPr>
+            <a:spLocks noGrp="1"/>
+          </p:cNvSpPr>
+          <p:nvPr>
+            <p:ph type="title"/>
+          </p:nvPr>
+        </p:nvSpPr>
+        <p:spPr/>
+        <p:txBody>
+          <a:bodyPr>
+            <a:normAutofit/>
+          </a:bodyPr>
+          <a:lstStyle/>
+          <a:p>
+            <a:r>
+              <a:rPr lang="en-US" altLang="zh-TW" dirty="0"/>
+              <a:t>Raspberry</a:t>
+            </a:r>
+            <a:r>
+              <a:rPr lang="zh-TW" altLang="en-US" b="1" dirty="0"/>
+              <a:t> </a:t>
+            </a:r>
+            <a:r>
+              <a:rPr lang="en-US" altLang="zh-TW" dirty="0"/>
+              <a:t>Pi</a:t>
+            </a:r>
+            <a:r>
+              <a:rPr lang="zh-TW" altLang="en-US" b="1" dirty="0"/>
+              <a:t> </a:t>
+            </a:r>
+            <a:r>
+              <a:rPr lang="en-US" altLang="zh-TW" b="1" dirty="0"/>
+              <a:t>–</a:t>
+            </a:r>
+            <a:r>
+              <a:rPr lang="zh-TW" altLang="en-US" b="1" dirty="0"/>
+              <a:t> </a:t>
+            </a:r>
+            <a:r>
+              <a:rPr lang="en-US" altLang="zh-TW" dirty="0"/>
+              <a:t>BCM</a:t>
+            </a:r>
+            <a:r>
+              <a:rPr lang="en-US" altLang="zh-TW" b="1" dirty="0"/>
+              <a:t> </a:t>
+            </a:r>
+            <a:r>
+              <a:rPr lang="zh-TW" altLang="en-US" dirty="0"/>
+              <a:t>腳位</a:t>
+            </a:r>
+          </a:p>
+        </p:txBody>
+      </p:sp>
+      <p:sp>
+        <p:nvSpPr>
+          <p:cNvPr id="3" name="內容版面配置區 2"/>
+          <p:cNvSpPr>
+            <a:spLocks noGrp="1"/>
+          </p:cNvSpPr>
+          <p:nvPr>
+            <p:ph idx="1"/>
+          </p:nvPr>
+        </p:nvSpPr>
+        <p:spPr/>
+        <p:txBody>
+          <a:bodyPr>
+            <a:normAutofit/>
+          </a:bodyPr>
+          <a:lstStyle/>
+          <a:p>
+            <a:r>
+              <a:rPr lang="en-US" altLang="zh-TW" sz="2400" dirty="0">
+                <a:ea typeface="思源黑體" panose="020B0500000000000000" pitchFamily="34" charset="-120"/>
+              </a:rPr>
+              <a:t>GPIO</a:t>
+            </a:r>
+            <a:r>
+              <a:rPr lang="zh-TW" altLang="en-US" sz="2400" dirty="0">
+                <a:ea typeface="思源黑體" panose="020B0500000000000000" pitchFamily="34" charset="-120"/>
+              </a:rPr>
+              <a:t>（</a:t>
+            </a:r>
+            <a:r>
+              <a:rPr lang="en-US" altLang="zh-TW" sz="2400" dirty="0">
+                <a:ea typeface="思源黑體" panose="020B0500000000000000" pitchFamily="34" charset="-120"/>
+              </a:rPr>
+              <a:t>General-purpose input/output</a:t>
+            </a:r>
+            <a:r>
+              <a:rPr lang="zh-TW" altLang="en-US" sz="2400" dirty="0">
+                <a:ea typeface="思源黑體" panose="020B0500000000000000" pitchFamily="34" charset="-120"/>
+              </a:rPr>
+              <a:t>），通用型之輸入輸出的簡稱，可透過指令設成輸出或輸入，設為輸出時也可透過指令做開關的動作</a:t>
+            </a:r>
+          </a:p>
+        </p:txBody>
+      </p:sp>
+      <p:sp>
+        <p:nvSpPr>
+          <p:cNvPr id="4" name="投影片編號版面配置區 3"/>
+          <p:cNvSpPr>
+            <a:spLocks noGrp="1"/>
+          </p:cNvSpPr>
+          <p:nvPr>
+            <p:ph type="sldNum" sz="quarter" idx="12"/>
+          </p:nvPr>
+        </p:nvSpPr>
+        <p:spPr/>
+        <p:txBody>
+          <a:bodyPr/>
+          <a:lstStyle/>
+          <a:p>
+            <a:fld id="{6EDA8E28-6C2D-4537-9849-59635519518D}" type="slidenum">
+              <a:rPr lang="zh-TW" altLang="en-US" smtClean="0"/>
+              <a:pPr/>
+              <a:t>3</a:t>
+            </a:fld>
+            <a:endParaRPr lang="zh-TW" altLang="en-US" dirty="0"/>
+          </a:p>
+        </p:txBody>
+      </p:sp>
+      <p:pic>
+        <p:nvPicPr>
+          <p:cNvPr id="5" name="圖片 4"/>
+          <p:cNvPicPr>
+            <a:picLocks noChangeAspect="1"/>
+          </p:cNvPicPr>
+          <p:nvPr/>
+        </p:nvPicPr>
+        <p:blipFill>
+          <a:blip r:embed="rId2">
+            <a:extLst>
+              <a:ext uri="{28A0092B-C50C-407E-A947-70E740481C1C}">
+                <a14:useLocalDpi xmlns:a14="http://schemas.microsoft.com/office/drawing/2010/main" val="0"/>
+              </a:ext>
+            </a:extLst>
+          </a:blip>
+          <a:stretch>
+            <a:fillRect/>
+          </a:stretch>
+        </p:blipFill>
+        <p:spPr>
+          <a:xfrm>
+            <a:off x="2064327" y="3228368"/>
+            <a:ext cx="4730129" cy="2823296"/>
+          </a:xfrm>
+          <a:prstGeom prst="rect">
+            <a:avLst/>
+          </a:prstGeom>
+        </p:spPr>
+      </p:pic>
+    </p:spTree>
+    <p:extLst>
+      <p:ext uri="{BB962C8B-B14F-4D97-AF65-F5344CB8AC3E}">
+        <p14:creationId xmlns:p14="http://schemas.microsoft.com/office/powerpoint/2010/main" val="1016336953"/>
+      </p:ext>
+    </p:extLst>
+  </p:cSld>
+  <p:clrMapOvr>
+    <a:masterClrMapping/>
+  </p:clrMapOvr>
+</p:sld>
+</file>
+
+<file path=ppt/slides/slide5.xml><?xml version="1.0" encoding="utf-8"?>
+<p:sld xmlns:a="http://schemas.openxmlformats.org/drawingml/2006/main" xmlns:r="http://schemas.openxmlformats.org/officeDocument/2006/relationships" xmlns:p="http://schemas.openxmlformats.org/presentationml/2006/main">
+  <p:cSld>
+    <p:spTree>
+      <p:nvGrpSpPr>
+        <p:cNvPr id="1" name=""/>
+        <p:cNvGrpSpPr/>
+        <p:nvPr/>
+      </p:nvGrpSpPr>
+      <p:grpSpPr>
+        <a:xfrm>
+          <a:off x="0" y="0"/>
+          <a:ext cx="0" cy="0"/>
+          <a:chOff x="0" y="0"/>
+          <a:chExt cx="0" cy="0"/>
+        </a:xfrm>
+      </p:grpSpPr>
+      <p:sp>
+        <p:nvSpPr>
+          <p:cNvPr id="2" name="標題 1">
+            <a:extLst>
+              <a:ext uri="{FF2B5EF4-FFF2-40B4-BE49-F238E27FC236}">
+                <a16:creationId xmlns="" xmlns:a16="http://schemas.microsoft.com/office/drawing/2014/main" id="{C8DDAC85-0E97-48A0-9774-FF7BC9CCD346}"/>
+              </a:ext>
+            </a:extLst>
+          </p:cNvPr>
+          <p:cNvSpPr>
+            <a:spLocks noGrp="1"/>
+          </p:cNvSpPr>
+          <p:nvPr>
+            <p:ph type="title"/>
+          </p:nvPr>
+        </p:nvSpPr>
+        <p:spPr/>
+        <p:txBody>
+          <a:bodyPr>
+            <a:normAutofit/>
+          </a:bodyPr>
+          <a:lstStyle/>
+          <a:p>
+            <a:r>
+              <a:rPr lang="zh-TW" altLang="en-US" dirty="0">
+                <a:latin typeface="+mj-ea"/>
+              </a:rPr>
+              <a:t>按鍵</a:t>
+            </a:r>
+          </a:p>
+        </p:txBody>
+      </p:sp>
+      <p:pic>
+        <p:nvPicPr>
+          <p:cNvPr id="7" name="內容版面配置區 6">
+            <a:extLst>
+              <a:ext uri="{FF2B5EF4-FFF2-40B4-BE49-F238E27FC236}">
+                <a16:creationId xmlns="" xmlns:a16="http://schemas.microsoft.com/office/drawing/2014/main" id="{1F8FC278-C077-4E9F-9FF8-DAE1746D9E97}"/>
+              </a:ext>
+            </a:extLst>
+          </p:cNvPr>
+          <p:cNvPicPr>
+            <a:picLocks noGrp="1" noChangeAspect="1"/>
+          </p:cNvPicPr>
+          <p:nvPr>
+            <p:ph sz="half" idx="1"/>
+          </p:nvPr>
+        </p:nvPicPr>
+        <p:blipFill>
+          <a:blip r:embed="rId2">
+            <a:extLst>
+              <a:ext uri="{28A0092B-C50C-407E-A947-70E740481C1C}">
+                <a14:useLocalDpi xmlns:a14="http://schemas.microsoft.com/office/drawing/2010/main" val="0"/>
+              </a:ext>
+            </a:extLst>
+          </a:blip>
+          <a:stretch>
+            <a:fillRect/>
+          </a:stretch>
+        </p:blipFill>
+        <p:spPr>
+          <a:xfrm>
+            <a:off x="628650" y="1876161"/>
+            <a:ext cx="3886200" cy="4250266"/>
+          </a:xfrm>
+        </p:spPr>
+      </p:pic>
+      <p:sp>
+        <p:nvSpPr>
+          <p:cNvPr id="4" name="內容版面配置區 3">
+            <a:extLst>
+              <a:ext uri="{FF2B5EF4-FFF2-40B4-BE49-F238E27FC236}">
+                <a16:creationId xmlns="" xmlns:a16="http://schemas.microsoft.com/office/drawing/2014/main" id="{F7E3AC5F-39BD-4845-B7FF-E5D4C5A0CC5D}"/>
+              </a:ext>
+            </a:extLst>
+          </p:cNvPr>
+          <p:cNvSpPr>
+            <a:spLocks noGrp="1"/>
+          </p:cNvSpPr>
+          <p:nvPr>
+            <p:ph sz="half" idx="2"/>
+          </p:nvPr>
+        </p:nvSpPr>
+        <p:spPr>
+          <a:xfrm>
+            <a:off x="4629150" y="2429691"/>
+            <a:ext cx="3886200" cy="3747272"/>
+          </a:xfrm>
+        </p:spPr>
+        <p:txBody>
+          <a:bodyPr/>
+          <a:lstStyle/>
+          <a:p>
+            <a:r>
+              <a:rPr lang="zh-TW" altLang="en-US" sz="2400" dirty="0">
+                <a:latin typeface="+mn-ea"/>
+              </a:rPr>
+              <a:t>按下前 </a:t>
+            </a:r>
+            <a:endParaRPr lang="en-US" altLang="zh-TW" sz="2400" dirty="0">
+              <a:latin typeface="+mn-ea"/>
+            </a:endParaRPr>
+          </a:p>
+          <a:p>
+            <a:pPr lvl="1"/>
+            <a:r>
+              <a:rPr lang="zh-TW" altLang="en-US" sz="2100" dirty="0">
+                <a:latin typeface="+mn-ea"/>
+              </a:rPr>
+              <a:t>長邊相連 </a:t>
+            </a:r>
+            <a:r>
+              <a:rPr lang="en-US" altLang="zh-TW" sz="2100" dirty="0">
+                <a:latin typeface="+mn-ea"/>
+              </a:rPr>
+              <a:t>(1&amp;2, 3&amp;4) </a:t>
+            </a:r>
+          </a:p>
+          <a:p>
+            <a:pPr lvl="1"/>
+            <a:r>
+              <a:rPr lang="zh-TW" altLang="en-US" sz="2100" dirty="0">
+                <a:latin typeface="+mn-ea"/>
+              </a:rPr>
+              <a:t>短邊不相連</a:t>
+            </a:r>
+            <a:endParaRPr lang="en-US" altLang="zh-TW" sz="2100" dirty="0">
+              <a:latin typeface="+mn-ea"/>
+            </a:endParaRPr>
+          </a:p>
+          <a:p>
+            <a:pPr marL="342892" lvl="1" indent="0">
+              <a:buNone/>
+            </a:pPr>
+            <a:endParaRPr lang="en-US" altLang="zh-TW" dirty="0">
+              <a:latin typeface="+mn-ea"/>
+            </a:endParaRPr>
+          </a:p>
+          <a:p>
+            <a:pPr marL="342892" lvl="1" indent="0">
+              <a:buNone/>
+            </a:pPr>
+            <a:endParaRPr lang="en-US" altLang="zh-TW" dirty="0">
+              <a:latin typeface="+mn-ea"/>
+            </a:endParaRPr>
+          </a:p>
+          <a:p>
+            <a:pPr marL="342892" lvl="1" indent="0">
+              <a:buNone/>
+            </a:pPr>
+            <a:endParaRPr lang="en-US" altLang="zh-TW" dirty="0">
+              <a:latin typeface="+mn-ea"/>
+            </a:endParaRPr>
+          </a:p>
+          <a:p>
+            <a:r>
+              <a:rPr lang="zh-TW" altLang="en-US" sz="2400" dirty="0">
+                <a:latin typeface="+mn-ea"/>
+              </a:rPr>
+              <a:t>按下後</a:t>
+            </a:r>
+            <a:endParaRPr lang="en-US" altLang="zh-TW" sz="2400" dirty="0">
+              <a:latin typeface="+mn-ea"/>
+            </a:endParaRPr>
+          </a:p>
+          <a:p>
+            <a:pPr lvl="1"/>
+            <a:r>
+              <a:rPr lang="zh-TW" altLang="en-US" sz="2100" dirty="0">
+                <a:latin typeface="+mn-ea"/>
+              </a:rPr>
+              <a:t>四點都通</a:t>
+            </a:r>
+            <a:endParaRPr lang="en-US" altLang="zh-TW" sz="2100" dirty="0">
+              <a:latin typeface="+mn-ea"/>
+            </a:endParaRPr>
+          </a:p>
+        </p:txBody>
+      </p:sp>
+      <p:sp>
+        <p:nvSpPr>
+          <p:cNvPr id="5" name="投影片編號版面配置區 4">
+            <a:extLst>
+              <a:ext uri="{FF2B5EF4-FFF2-40B4-BE49-F238E27FC236}">
+                <a16:creationId xmlns="" xmlns:a16="http://schemas.microsoft.com/office/drawing/2014/main" id="{ECB79027-2063-4579-B0E9-2A56DCD15EB1}"/>
+              </a:ext>
+            </a:extLst>
+          </p:cNvPr>
+          <p:cNvSpPr>
+            <a:spLocks noGrp="1"/>
+          </p:cNvSpPr>
+          <p:nvPr>
+            <p:ph type="sldNum" sz="quarter" idx="12"/>
+          </p:nvPr>
+        </p:nvSpPr>
+        <p:spPr/>
+        <p:txBody>
+          <a:bodyPr/>
+          <a:lstStyle/>
+          <a:p>
+            <a:fld id="{6EDA8E28-6C2D-4537-9849-59635519518D}" type="slidenum">
+              <a:rPr lang="zh-TW" altLang="en-US" smtClean="0"/>
+              <a:t>4</a:t>
+            </a:fld>
+            <a:endParaRPr lang="zh-TW" altLang="en-US"/>
+          </a:p>
+        </p:txBody>
+      </p:sp>
+    </p:spTree>
+    <p:extLst>
+      <p:ext uri="{BB962C8B-B14F-4D97-AF65-F5344CB8AC3E}">
+        <p14:creationId xmlns:p14="http://schemas.microsoft.com/office/powerpoint/2010/main" val="3528129589"/>
+      </p:ext>
+    </p:extLst>
+  </p:cSld>
+  <p:clrMapOvr>
+    <a:masterClrMapping/>
+  </p:clrMapOvr>
+</p:sld>
+</file>
+
+<file path=ppt/slides/slide6.xml><?xml version="1.0" encoding="utf-8"?>
+<p:sld xmlns:a="http://schemas.openxmlformats.org/drawingml/2006/main" xmlns:r="http://schemas.openxmlformats.org/officeDocument/2006/relationships" xmlns:p="http://schemas.openxmlformats.org/presentationml/2006/main">
+  <p:cSld>
+    <p:spTree>
+      <p:nvGrpSpPr>
+        <p:cNvPr id="1" name=""/>
+        <p:cNvGrpSpPr/>
+        <p:nvPr/>
+      </p:nvGrpSpPr>
+      <p:grpSpPr>
+        <a:xfrm>
+          <a:off x="0" y="0"/>
+          <a:ext cx="0" cy="0"/>
+          <a:chOff x="0" y="0"/>
+          <a:chExt cx="0" cy="0"/>
+        </a:xfrm>
+      </p:grpSpPr>
+      <p:pic>
+        <p:nvPicPr>
+          <p:cNvPr id="7" name="圖片 6">
+            <a:extLst>
+              <a:ext uri="{FF2B5EF4-FFF2-40B4-BE49-F238E27FC236}">
+                <a16:creationId xmlns="" xmlns:a16="http://schemas.microsoft.com/office/drawing/2014/main" id="{424265E6-5C25-4EDD-919C-12F02534A34A}"/>
+              </a:ext>
+            </a:extLst>
+          </p:cNvPr>
+          <p:cNvPicPr>
+            <a:picLocks noChangeAspect="1"/>
+          </p:cNvPicPr>
+          <p:nvPr/>
+        </p:nvPicPr>
+        <p:blipFill>
+          <a:blip r:embed="rId2" cstate="print">
+            <a:extLst>
+              <a:ext uri="{28A0092B-C50C-407E-A947-70E740481C1C}">
+                <a14:useLocalDpi xmlns:a14="http://schemas.microsoft.com/office/drawing/2010/main" val="0"/>
+              </a:ext>
+            </a:extLst>
+          </a:blip>
+          <a:stretch>
+            <a:fillRect/>
+          </a:stretch>
+        </p:blipFill>
+        <p:spPr>
+          <a:xfrm>
+            <a:off x="1143000" y="3429000"/>
+            <a:ext cx="3429000" cy="3429000"/>
+          </a:xfrm>
+          <a:prstGeom prst="rect">
+            <a:avLst/>
+          </a:prstGeom>
+        </p:spPr>
+      </p:pic>
+      <p:sp>
+        <p:nvSpPr>
+          <p:cNvPr id="2" name="標題 1"/>
+          <p:cNvSpPr>
+            <a:spLocks noGrp="1"/>
+          </p:cNvSpPr>
+          <p:nvPr>
+            <p:ph type="title"/>
+          </p:nvPr>
+        </p:nvSpPr>
+        <p:spPr/>
+        <p:txBody>
+          <a:bodyPr>
+            <a:normAutofit/>
+          </a:bodyPr>
+          <a:lstStyle/>
+          <a:p>
+            <a:r>
+              <a:rPr lang="zh-TW" altLang="en-US" dirty="0">
+                <a:ea typeface="思源黑體" panose="020B0500000000000000" pitchFamily="34" charset="-120"/>
+              </a:rPr>
+              <a:t>蜂鳴器</a:t>
+            </a:r>
+          </a:p>
+        </p:txBody>
+      </p:sp>
+      <p:sp>
+        <p:nvSpPr>
+          <p:cNvPr id="3" name="內容版面配置區 2"/>
+          <p:cNvSpPr>
+            <a:spLocks noGrp="1"/>
+          </p:cNvSpPr>
+          <p:nvPr>
+            <p:ph idx="1"/>
+          </p:nvPr>
+        </p:nvSpPr>
+        <p:spPr/>
+        <p:txBody>
+          <a:bodyPr/>
+          <a:lstStyle/>
+          <a:p>
+            <a:r>
+              <a:rPr lang="zh-TW" altLang="en-US" sz="2400" dirty="0">
+                <a:latin typeface="+mn-ea"/>
+              </a:rPr>
+              <a:t>蜂鳴器發聲原理：</a:t>
+            </a:r>
+            <a:r>
+              <a:rPr lang="zh-TW" altLang="en-US" sz="2400" dirty="0">
+                <a:solidFill>
+                  <a:srgbClr val="FF0000"/>
+                </a:solidFill>
+                <a:latin typeface="+mn-ea"/>
+              </a:rPr>
+              <a:t>電流</a:t>
+            </a:r>
+            <a:r>
+              <a:rPr lang="zh-TW" altLang="en-US" sz="2400" dirty="0">
+                <a:latin typeface="+mn-ea"/>
+              </a:rPr>
+              <a:t>通過</a:t>
+            </a:r>
+            <a:r>
+              <a:rPr lang="zh-TW" altLang="en-US" sz="2400" dirty="0">
+                <a:solidFill>
+                  <a:srgbClr val="FF0000"/>
+                </a:solidFill>
+                <a:latin typeface="+mn-ea"/>
+              </a:rPr>
+              <a:t>電磁線圈</a:t>
+            </a:r>
+            <a:r>
+              <a:rPr lang="zh-TW" altLang="en-US" sz="2400" dirty="0">
+                <a:latin typeface="+mn-ea"/>
+              </a:rPr>
+              <a:t>產生磁場來驅動</a:t>
+            </a:r>
+            <a:r>
+              <a:rPr lang="zh-TW" altLang="en-US" sz="2400" dirty="0">
+                <a:solidFill>
+                  <a:srgbClr val="FF0000"/>
+                </a:solidFill>
+                <a:latin typeface="+mn-ea"/>
+              </a:rPr>
+              <a:t>振動膜。</a:t>
+            </a:r>
+            <a:endParaRPr lang="en-US" altLang="zh-TW" sz="2400" dirty="0">
+              <a:solidFill>
+                <a:srgbClr val="FF0000"/>
+              </a:solidFill>
+              <a:latin typeface="+mn-ea"/>
+            </a:endParaRPr>
+          </a:p>
+          <a:p>
+            <a:pPr lvl="1"/>
+            <a:r>
+              <a:rPr lang="zh-TW" altLang="en-US" sz="2100" dirty="0">
+                <a:latin typeface="+mn-ea"/>
+              </a:rPr>
+              <a:t>自激式</a:t>
+            </a:r>
+            <a:r>
+              <a:rPr lang="en-US" altLang="zh-TW" sz="2100" dirty="0">
+                <a:latin typeface="+mn-ea"/>
+              </a:rPr>
+              <a:t>(</a:t>
+            </a:r>
+            <a:r>
+              <a:rPr lang="zh-TW" altLang="en-US" sz="2100" dirty="0">
+                <a:latin typeface="+mn-ea"/>
+              </a:rPr>
+              <a:t>有源</a:t>
+            </a:r>
+            <a:r>
+              <a:rPr lang="en-US" altLang="zh-TW" sz="2100" dirty="0">
+                <a:latin typeface="+mn-ea"/>
+              </a:rPr>
+              <a:t>)</a:t>
+            </a:r>
+            <a:r>
+              <a:rPr lang="zh-TW" altLang="en-US" sz="2100" dirty="0">
+                <a:latin typeface="+mn-ea"/>
+              </a:rPr>
+              <a:t>蜂鳴器</a:t>
+            </a:r>
+            <a:r>
+              <a:rPr lang="en-US" altLang="zh-TW" sz="2100" dirty="0">
+                <a:latin typeface="+mn-ea"/>
+              </a:rPr>
+              <a:t>:</a:t>
+            </a:r>
+            <a:r>
+              <a:rPr lang="zh-TW" altLang="en-US" sz="2100" dirty="0">
+                <a:latin typeface="+mn-ea"/>
+              </a:rPr>
+              <a:t>只能發出同頻率的聲音</a:t>
+            </a:r>
+            <a:endParaRPr lang="en-US" altLang="zh-TW" sz="2100" dirty="0">
+              <a:latin typeface="+mn-ea"/>
+            </a:endParaRPr>
+          </a:p>
+          <a:p>
+            <a:pPr lvl="1"/>
+            <a:r>
+              <a:rPr lang="zh-TW" altLang="en-US" sz="2100" dirty="0">
+                <a:latin typeface="+mn-ea"/>
+              </a:rPr>
+              <a:t>他激式</a:t>
+            </a:r>
+            <a:r>
+              <a:rPr lang="en-US" altLang="zh-TW" sz="2100" dirty="0">
+                <a:latin typeface="+mn-ea"/>
+              </a:rPr>
+              <a:t>(</a:t>
+            </a:r>
+            <a:r>
+              <a:rPr lang="zh-TW" altLang="en-US" sz="2100" dirty="0">
+                <a:latin typeface="+mn-ea"/>
+              </a:rPr>
+              <a:t>無源</a:t>
+            </a:r>
+            <a:r>
+              <a:rPr lang="en-US" altLang="zh-TW" sz="2100" dirty="0">
+                <a:latin typeface="+mn-ea"/>
+              </a:rPr>
+              <a:t>)</a:t>
+            </a:r>
+            <a:r>
+              <a:rPr lang="zh-TW" altLang="en-US" sz="2100" dirty="0">
+                <a:latin typeface="+mn-ea"/>
+              </a:rPr>
+              <a:t>蜂鳴器</a:t>
+            </a:r>
+            <a:r>
+              <a:rPr lang="en-US" altLang="zh-TW" sz="2100" dirty="0">
+                <a:latin typeface="+mn-ea"/>
+              </a:rPr>
+              <a:t>:</a:t>
+            </a:r>
+            <a:r>
+              <a:rPr lang="zh-TW" altLang="en-US" sz="2100" dirty="0">
+                <a:latin typeface="+mn-ea"/>
+              </a:rPr>
+              <a:t>須從外部輸入震盪方波發聲</a:t>
+            </a:r>
+            <a:r>
+              <a:rPr lang="en-US" altLang="zh-TW" sz="2100" dirty="0">
+                <a:latin typeface="+mn-ea"/>
+              </a:rPr>
+              <a:t>,</a:t>
+            </a:r>
+            <a:r>
+              <a:rPr lang="zh-TW" altLang="en-US" sz="2100" dirty="0">
+                <a:latin typeface="+mn-ea"/>
+              </a:rPr>
+              <a:t>兩腳同長</a:t>
+            </a:r>
+            <a:r>
+              <a:rPr lang="zh-TW" altLang="en-US" sz="2100" dirty="0" smtClean="0">
+                <a:latin typeface="+mn-ea"/>
+              </a:rPr>
+              <a:t>但腳位有正負之分</a:t>
+            </a:r>
+            <a:endParaRPr lang="en-US" altLang="zh-TW" sz="2100" dirty="0">
+              <a:latin typeface="+mn-ea"/>
+            </a:endParaRPr>
+          </a:p>
+        </p:txBody>
+      </p:sp>
+      <p:sp>
+        <p:nvSpPr>
+          <p:cNvPr id="4" name="投影片編號版面配置區 3"/>
+          <p:cNvSpPr>
+            <a:spLocks noGrp="1"/>
+          </p:cNvSpPr>
+          <p:nvPr>
+            <p:ph type="sldNum" sz="quarter" idx="12"/>
+          </p:nvPr>
+        </p:nvSpPr>
+        <p:spPr/>
+        <p:txBody>
+          <a:bodyPr/>
+          <a:lstStyle/>
+          <a:p>
+            <a:fld id="{6EDA8E28-6C2D-4537-9849-59635519518D}" type="slidenum">
+              <a:rPr lang="zh-TW" altLang="en-US" smtClean="0"/>
+              <a:pPr/>
+              <a:t>5</a:t>
+            </a:fld>
+            <a:endParaRPr lang="zh-TW" altLang="en-US" dirty="0"/>
+          </a:p>
+        </p:txBody>
+      </p:sp>
+      <p:pic>
+        <p:nvPicPr>
+          <p:cNvPr id="9" name="圖片 8">
+            <a:extLst>
+              <a:ext uri="{FF2B5EF4-FFF2-40B4-BE49-F238E27FC236}">
+                <a16:creationId xmlns="" xmlns:a16="http://schemas.microsoft.com/office/drawing/2014/main" id="{D70D85CC-2205-4EBF-A2EA-B3C208F75434}"/>
+              </a:ext>
+            </a:extLst>
+          </p:cNvPr>
+          <p:cNvPicPr>
+            <a:picLocks noChangeAspect="1"/>
+          </p:cNvPicPr>
+          <p:nvPr/>
+        </p:nvPicPr>
+        <p:blipFill>
+          <a:blip r:embed="rId3">
+            <a:extLst>
+              <a:ext uri="{28A0092B-C50C-407E-A947-70E740481C1C}">
+                <a14:useLocalDpi xmlns:a14="http://schemas.microsoft.com/office/drawing/2010/main" val="0"/>
+              </a:ext>
+            </a:extLst>
+          </a:blip>
+          <a:stretch>
+            <a:fillRect/>
+          </a:stretch>
+        </p:blipFill>
+        <p:spPr>
+          <a:xfrm>
+            <a:off x="5086350" y="4076700"/>
+            <a:ext cx="3619500" cy="2133600"/>
+          </a:xfrm>
+          <a:prstGeom prst="rect">
+            <a:avLst/>
+          </a:prstGeom>
+        </p:spPr>
+      </p:pic>
+      <p:pic>
+        <p:nvPicPr>
+          <p:cNvPr id="8" name="圖片 7">
+            <a:extLst>
+              <a:ext uri="{FF2B5EF4-FFF2-40B4-BE49-F238E27FC236}">
+                <a16:creationId xmlns="" xmlns:a16="http://schemas.microsoft.com/office/drawing/2014/main" id="{D70D85CC-2205-4EBF-A2EA-B3C208F75434}"/>
+              </a:ext>
+            </a:extLst>
+          </p:cNvPr>
+          <p:cNvPicPr>
+            <a:picLocks noChangeAspect="1"/>
+          </p:cNvPicPr>
+          <p:nvPr/>
+        </p:nvPicPr>
+        <p:blipFill>
+          <a:blip r:embed="rId3">
+            <a:extLst>
+              <a:ext uri="{28A0092B-C50C-407E-A947-70E740481C1C}">
+                <a14:useLocalDpi xmlns:a14="http://schemas.microsoft.com/office/drawing/2010/main" val="0"/>
+              </a:ext>
+            </a:extLst>
+          </a:blip>
+          <a:stretch>
+            <a:fillRect/>
+          </a:stretch>
+        </p:blipFill>
+        <p:spPr>
+          <a:xfrm>
+            <a:off x="5057775" y="4076700"/>
+            <a:ext cx="3619500" cy="2133600"/>
+          </a:xfrm>
+          <a:prstGeom prst="rect">
+            <a:avLst/>
+          </a:prstGeom>
+        </p:spPr>
+      </p:pic>
+    </p:spTree>
+    <p:extLst>
+      <p:ext uri="{BB962C8B-B14F-4D97-AF65-F5344CB8AC3E}">
+        <p14:creationId xmlns:p14="http://schemas.microsoft.com/office/powerpoint/2010/main" val="3982159328"/>
+      </p:ext>
+    </p:extLst>
+  </p:cSld>
+  <p:clrMapOvr>
+    <a:masterClrMapping/>
+  </p:clrMapOvr>
+</p:sld>
+</file>
+
+<file path=ppt/slides/slide7.xml><?xml version="1.0" encoding="utf-8"?>
+<p:sld xmlns:a="http://schemas.openxmlformats.org/drawingml/2006/main" xmlns:r="http://schemas.openxmlformats.org/officeDocument/2006/relationships" xmlns:p="http://schemas.openxmlformats.org/presentationml/2006/main">
+  <p:cSld>
+    <p:spTree>
+      <p:nvGrpSpPr>
+        <p:cNvPr id="1" name=""/>
+        <p:cNvGrpSpPr/>
+        <p:nvPr/>
+      </p:nvGrpSpPr>
+      <p:grpSpPr>
+        <a:xfrm>
+          <a:off x="0" y="0"/>
+          <a:ext cx="0" cy="0"/>
+          <a:chOff x="0" y="0"/>
+          <a:chExt cx="0" cy="0"/>
+        </a:xfrm>
+      </p:grpSpPr>
+      <p:sp>
+        <p:nvSpPr>
+          <p:cNvPr id="2" name="標題 1"/>
+          <p:cNvSpPr>
+            <a:spLocks noGrp="1"/>
+          </p:cNvSpPr>
+          <p:nvPr>
+            <p:ph type="title"/>
+          </p:nvPr>
+        </p:nvSpPr>
+        <p:spPr/>
+        <p:txBody>
+          <a:bodyPr>
+            <a:normAutofit/>
+          </a:bodyPr>
+          <a:lstStyle/>
+          <a:p>
+            <a:r>
+              <a:rPr kumimoji="1" lang="zh-TW" altLang="en-US" dirty="0" smtClean="0"/>
+              <a:t>蜂鳴器模組</a:t>
+            </a:r>
+            <a:endParaRPr kumimoji="1" lang="zh-TW" altLang="en-US" dirty="0"/>
+          </a:p>
+        </p:txBody>
+      </p:sp>
+      <p:sp>
+        <p:nvSpPr>
+          <p:cNvPr id="3" name="內容版面配置區 2"/>
+          <p:cNvSpPr>
+            <a:spLocks noGrp="1"/>
+          </p:cNvSpPr>
+          <p:nvPr>
+            <p:ph idx="1"/>
+          </p:nvPr>
+        </p:nvSpPr>
+        <p:spPr/>
+        <p:txBody>
+          <a:bodyPr>
+            <a:normAutofit/>
+          </a:bodyPr>
+          <a:lstStyle/>
+          <a:p>
+            <a:r>
+              <a:rPr lang="zh-TW" altLang="en-US" sz="2400" dirty="0"/>
+              <a:t>工作電壓</a:t>
+            </a:r>
+            <a:r>
+              <a:rPr lang="en-US" altLang="zh-TW" sz="2400" dirty="0" smtClean="0"/>
+              <a:t>3.3V-5V</a:t>
+            </a:r>
+            <a:endParaRPr kumimoji="1" lang="en-US" altLang="zh-TW" sz="2400" dirty="0" smtClean="0"/>
+          </a:p>
+          <a:p>
+            <a:r>
+              <a:rPr lang="en-US" altLang="zh-TW" sz="2400" dirty="0" smtClean="0"/>
+              <a:t>1.VCC</a:t>
+            </a:r>
+            <a:r>
+              <a:rPr lang="en-US" altLang="zh-TW" sz="2400" dirty="0"/>
+              <a:t> </a:t>
+            </a:r>
+            <a:r>
+              <a:rPr lang="en-US" altLang="zh-TW" sz="2400" dirty="0" smtClean="0"/>
+              <a:t>: </a:t>
+            </a:r>
+            <a:r>
+              <a:rPr lang="zh-TW" altLang="en-US" sz="2400" dirty="0" smtClean="0"/>
+              <a:t>外接</a:t>
+            </a:r>
+            <a:r>
+              <a:rPr lang="en-US" altLang="zh-TW" sz="2400" dirty="0"/>
+              <a:t>3.3V-5V</a:t>
+            </a:r>
+            <a:r>
+              <a:rPr lang="zh-TW" altLang="en-US" sz="2400" dirty="0"/>
+              <a:t>電壓（可以直接與</a:t>
+            </a:r>
+            <a:r>
+              <a:rPr lang="en-US" altLang="zh-TW" sz="2400" dirty="0"/>
+              <a:t>5v</a:t>
+            </a:r>
+            <a:r>
+              <a:rPr lang="zh-TW" altLang="en-US" sz="2400" dirty="0"/>
+              <a:t>單片機和</a:t>
+            </a:r>
+            <a:r>
+              <a:rPr lang="en-US" altLang="zh-TW" sz="2400" dirty="0"/>
+              <a:t>3.3v</a:t>
+            </a:r>
+            <a:r>
+              <a:rPr lang="zh-TW" altLang="en-US" sz="2400" dirty="0"/>
+              <a:t>單片機相連）</a:t>
+            </a:r>
+            <a:br>
+              <a:rPr lang="zh-TW" altLang="en-US" sz="2400" dirty="0"/>
+            </a:br>
+            <a:r>
+              <a:rPr lang="en-US" altLang="zh-TW" sz="2400" dirty="0" smtClean="0"/>
+              <a:t>2.GND : </a:t>
+            </a:r>
+            <a:r>
+              <a:rPr lang="zh-TW" altLang="en-US" sz="2400" dirty="0" smtClean="0"/>
+              <a:t>外接</a:t>
+            </a:r>
+            <a:r>
+              <a:rPr lang="en-US" altLang="zh-TW" sz="2400" dirty="0"/>
+              <a:t>GND</a:t>
+            </a:r>
+            <a:r>
+              <a:rPr lang="zh-TW" altLang="en-US" sz="2400" dirty="0"/>
+              <a:t/>
+            </a:r>
+            <a:br>
+              <a:rPr lang="zh-TW" altLang="en-US" sz="2400" dirty="0"/>
+            </a:br>
+            <a:r>
+              <a:rPr lang="en-US" altLang="zh-TW" sz="2400" dirty="0" smtClean="0"/>
+              <a:t>3.I/O</a:t>
+            </a:r>
+            <a:r>
+              <a:rPr lang="en-US" altLang="zh-TW" sz="2400" dirty="0"/>
+              <a:t> </a:t>
+            </a:r>
+            <a:r>
+              <a:rPr lang="en-US" altLang="zh-TW" sz="2400" dirty="0" smtClean="0"/>
+              <a:t>: </a:t>
+            </a:r>
+            <a:r>
+              <a:rPr lang="zh-TW" altLang="en-US" sz="2400" dirty="0" smtClean="0"/>
+              <a:t>外接</a:t>
+            </a:r>
+            <a:r>
+              <a:rPr lang="zh-TW" altLang="en-US" sz="2400" dirty="0"/>
+              <a:t>單片機</a:t>
+            </a:r>
+            <a:r>
+              <a:rPr lang="en-US" altLang="zh-TW" sz="2400" dirty="0"/>
+              <a:t>IO</a:t>
+            </a:r>
+            <a:r>
+              <a:rPr lang="zh-TW" altLang="en-US" sz="2400" dirty="0"/>
+              <a:t>口</a:t>
+            </a:r>
+            <a:endParaRPr lang="en-US" altLang="zh-TW" sz="2400" dirty="0" smtClean="0"/>
+          </a:p>
+        </p:txBody>
+      </p:sp>
+      <p:sp>
+        <p:nvSpPr>
+          <p:cNvPr id="4" name="投影片編號版面配置區 3"/>
+          <p:cNvSpPr>
+            <a:spLocks noGrp="1"/>
+          </p:cNvSpPr>
+          <p:nvPr>
+            <p:ph type="sldNum" sz="quarter" idx="12"/>
+          </p:nvPr>
+        </p:nvSpPr>
+        <p:spPr/>
+        <p:txBody>
+          <a:bodyPr/>
+          <a:lstStyle/>
+          <a:p>
+            <a:fld id="{6EDA8E28-6C2D-4537-9849-59635519518D}" type="slidenum">
+              <a:rPr lang="zh-TW" altLang="en-US" smtClean="0"/>
+              <a:pPr/>
+              <a:t>6</a:t>
+            </a:fld>
+            <a:endParaRPr lang="zh-TW" altLang="en-US" dirty="0"/>
+          </a:p>
+        </p:txBody>
+      </p:sp>
+      <p:pic>
+        <p:nvPicPr>
+          <p:cNvPr id="5" name="圖片 4"/>
+          <p:cNvPicPr>
+            <a:picLocks noChangeAspect="1"/>
+          </p:cNvPicPr>
+          <p:nvPr/>
+        </p:nvPicPr>
+        <p:blipFill>
+          <a:blip r:embed="rId2">
+            <a:extLst>
+              <a:ext uri="{28A0092B-C50C-407E-A947-70E740481C1C}">
+                <a14:useLocalDpi xmlns:a14="http://schemas.microsoft.com/office/drawing/2010/main" val="0"/>
+              </a:ext>
+            </a:extLst>
+          </a:blip>
+          <a:stretch>
+            <a:fillRect/>
+          </a:stretch>
+        </p:blipFill>
+        <p:spPr>
+          <a:xfrm>
+            <a:off x="4324611" y="2846872"/>
+            <a:ext cx="3692047" cy="3692047"/>
+          </a:xfrm>
+          <a:prstGeom prst="rect">
+            <a:avLst/>
+          </a:prstGeom>
+        </p:spPr>
+      </p:pic>
+    </p:spTree>
+    <p:extLst>
+      <p:ext uri="{BB962C8B-B14F-4D97-AF65-F5344CB8AC3E}">
+        <p14:creationId xmlns:p14="http://schemas.microsoft.com/office/powerpoint/2010/main" val="1555426948"/>
+      </p:ext>
+    </p:extLst>
+  </p:cSld>
+  <p:clrMapOvr>
+    <a:masterClrMapping/>
+  </p:clrMapOvr>
+</p:sld>
+</file>
+
+<file path=ppt/slides/slide8.xml><?xml version="1.0" encoding="utf-8"?>
+<p:sld xmlns:a="http://schemas.openxmlformats.org/drawingml/2006/main" xmlns:r="http://schemas.openxmlformats.org/officeDocument/2006/relationships" xmlns:p="http://schemas.openxmlformats.org/presentationml/2006/main">
+  <p:cSld>
+    <p:spTree>
+      <p:nvGrpSpPr>
+        <p:cNvPr id="1" name=""/>
+        <p:cNvGrpSpPr/>
+        <p:nvPr/>
+      </p:nvGrpSpPr>
+      <p:grpSpPr>
+        <a:xfrm>
+          <a:off x="0" y="0"/>
+          <a:ext cx="0" cy="0"/>
+          <a:chOff x="0" y="0"/>
+          <a:chExt cx="0" cy="0"/>
+        </a:xfrm>
+      </p:grpSpPr>
+      <p:sp>
+        <p:nvSpPr>
+          <p:cNvPr id="2" name="標題 1"/>
+          <p:cNvSpPr>
+            <a:spLocks noGrp="1"/>
+          </p:cNvSpPr>
+          <p:nvPr>
+            <p:ph type="ctrTitle"/>
+          </p:nvPr>
+        </p:nvSpPr>
+        <p:spPr>
+          <a:xfrm>
+            <a:off x="0" y="1122363"/>
+            <a:ext cx="9144000" cy="2387600"/>
+          </a:xfrm>
+        </p:spPr>
+        <p:txBody>
+          <a:bodyPr>
+            <a:normAutofit/>
+          </a:bodyPr>
+          <a:lstStyle/>
+          <a:p>
+            <a:r>
+              <a:rPr lang="zh-TW" altLang="en-US" sz="3600" dirty="0">
+                <a:ea typeface="思源黑體" panose="020B0500000000000000" pitchFamily="34" charset="-120"/>
+              </a:rPr>
+              <a:t>按鍵蜂鳴器實驗</a:t>
+            </a:r>
+          </a:p>
+        </p:txBody>
+      </p:sp>
+      <p:sp>
+        <p:nvSpPr>
+          <p:cNvPr id="3" name="副標題 2"/>
+          <p:cNvSpPr>
+            <a:spLocks noGrp="1"/>
+          </p:cNvSpPr>
+          <p:nvPr>
+            <p:ph type="subTitle" idx="1"/>
+          </p:nvPr>
+        </p:nvSpPr>
+        <p:spPr/>
+        <p:txBody>
+          <a:bodyPr/>
+          <a:lstStyle/>
+          <a:p>
+            <a:endParaRPr lang="zh-TW" altLang="en-US" dirty="0"/>
+          </a:p>
+        </p:txBody>
+      </p:sp>
+    </p:spTree>
+    <p:extLst>
+      <p:ext uri="{BB962C8B-B14F-4D97-AF65-F5344CB8AC3E}">
+        <p14:creationId xmlns:p14="http://schemas.microsoft.com/office/powerpoint/2010/main" val="3240073125"/>
+      </p:ext>
+    </p:extLst>
+  </p:cSld>
+  <p:clrMapOvr>
+    <a:masterClrMapping/>
+  </p:clrMapOvr>
+</p:sld>
+</file>
+
+<file path=ppt/slides/slide9.xml><?xml version="1.0" encoding="utf-8"?>
+<p:sld xmlns:a="http://schemas.openxmlformats.org/drawingml/2006/main" xmlns:r="http://schemas.openxmlformats.org/officeDocument/2006/relationships" xmlns:p="http://schemas.openxmlformats.org/presentationml/2006/main">
+  <p:cSld>
+    <p:spTree>
+      <p:nvGrpSpPr>
+        <p:cNvPr id="1" name=""/>
+        <p:cNvGrpSpPr/>
+        <p:nvPr/>
+      </p:nvGrpSpPr>
+      <p:grpSpPr>
+        <a:xfrm>
+          <a:off x="0" y="0"/>
+          <a:ext cx="0" cy="0"/>
+          <a:chOff x="0" y="0"/>
+          <a:chExt cx="0" cy="0"/>
+        </a:xfrm>
+      </p:grpSpPr>
+      <p:sp>
+        <p:nvSpPr>
+          <p:cNvPr id="2" name="標題 1">
+            <a:extLst>
+              <a:ext uri="{FF2B5EF4-FFF2-40B4-BE49-F238E27FC236}">
+                <a16:creationId xmlns="" xmlns:a16="http://schemas.microsoft.com/office/drawing/2014/main" id="{8814A709-C4CF-478A-A3C7-59B9E8C2A86D}"/>
+              </a:ext>
+            </a:extLst>
+          </p:cNvPr>
+          <p:cNvSpPr>
+            <a:spLocks noGrp="1"/>
+          </p:cNvSpPr>
+          <p:nvPr>
+            <p:ph type="title"/>
+          </p:nvPr>
+        </p:nvSpPr>
+        <p:spPr/>
+        <p:txBody>
+          <a:bodyPr/>
+          <a:lstStyle/>
+          <a:p>
+            <a:r>
+              <a:rPr lang="zh-TW" altLang="en-US" dirty="0">
+                <a:ea typeface="思源黑體" panose="020B0500000000000000" pitchFamily="34" charset="-120"/>
+              </a:rPr>
+              <a:t>實驗步驟</a:t>
+            </a:r>
+            <a:r>
+              <a:rPr lang="en-US" altLang="zh-TW" dirty="0">
+                <a:ea typeface="思源黑體" panose="020B0500000000000000" pitchFamily="34" charset="-120"/>
+              </a:rPr>
+              <a:t>(1/5)</a:t>
+            </a:r>
+            <a:endParaRPr lang="zh-TW" altLang="en-US" dirty="0">
+              <a:ea typeface="思源黑體" panose="020B0500000000000000" pitchFamily="34" charset="-120"/>
+            </a:endParaRPr>
+          </a:p>
+        </p:txBody>
+      </p:sp>
+      <p:sp>
+        <p:nvSpPr>
+          <p:cNvPr id="3" name="內容版面配置區 2">
+            <a:extLst>
+              <a:ext uri="{FF2B5EF4-FFF2-40B4-BE49-F238E27FC236}">
+                <a16:creationId xmlns="" xmlns:a16="http://schemas.microsoft.com/office/drawing/2014/main" id="{223C93C8-570F-4B5C-84DC-A1CC54800E14}"/>
+              </a:ext>
+            </a:extLst>
+          </p:cNvPr>
+          <p:cNvSpPr>
+            <a:spLocks noGrp="1"/>
+          </p:cNvSpPr>
+          <p:nvPr>
+            <p:ph idx="1"/>
+          </p:nvPr>
+        </p:nvSpPr>
+        <p:spPr>
+          <a:xfrm>
+            <a:off x="628650" y="1825625"/>
+            <a:ext cx="7886700" cy="4351338"/>
+          </a:xfrm>
+        </p:spPr>
+        <p:txBody>
+          <a:bodyPr/>
+          <a:lstStyle/>
+          <a:p>
+            <a:r>
+              <a:rPr lang="zh-TW" altLang="en-US" sz="2400" dirty="0">
+                <a:ea typeface="思源黑體" panose="020B0500000000000000"/>
+              </a:rPr>
+              <a:t>將蜂鳴</a:t>
+            </a:r>
+            <a:r>
+              <a:rPr lang="zh-TW" altLang="en-US" sz="2400" dirty="0" smtClean="0">
+                <a:ea typeface="思源黑體" panose="020B0500000000000000"/>
+              </a:rPr>
+              <a:t>器模組、</a:t>
+            </a:r>
+            <a:r>
+              <a:rPr lang="zh-TW" altLang="en-US" sz="2400" dirty="0">
+                <a:ea typeface="思源黑體" panose="020B0500000000000000"/>
+              </a:rPr>
+              <a:t>按鍵與樹梅派用</a:t>
+            </a:r>
+            <a:endParaRPr lang="en-US" altLang="zh-TW" sz="2400" dirty="0">
+              <a:ea typeface="思源黑體" panose="020B0500000000000000"/>
+            </a:endParaRPr>
+          </a:p>
+          <a:p>
+            <a:pPr marL="0" indent="0">
+              <a:buNone/>
+            </a:pPr>
+            <a:r>
+              <a:rPr lang="zh-TW" altLang="en-US" sz="2400" dirty="0">
+                <a:ea typeface="思源黑體" panose="020B0500000000000000"/>
+              </a:rPr>
+              <a:t>杜邦線連接</a:t>
+            </a:r>
+            <a:endParaRPr lang="en-US" altLang="zh-TW" sz="2400" dirty="0">
+              <a:ea typeface="思源黑體" panose="020B0500000000000000"/>
+            </a:endParaRPr>
+          </a:p>
+          <a:p>
+            <a:pPr marL="0" indent="0">
+              <a:buNone/>
+            </a:pPr>
+            <a:endParaRPr lang="en-US" altLang="zh-TW" dirty="0">
+              <a:ea typeface="思源黑體" panose="020B0500000000000000"/>
+            </a:endParaRPr>
+          </a:p>
+          <a:p>
+            <a:r>
+              <a:rPr lang="en-US" altLang="zh-TW" sz="2400" dirty="0" err="1">
+                <a:ea typeface="思源黑體" panose="020B0500000000000000"/>
+              </a:rPr>
+              <a:t>Vcc</a:t>
+            </a:r>
+            <a:r>
+              <a:rPr lang="en-US" altLang="zh-TW" sz="2400" dirty="0">
+                <a:ea typeface="思源黑體" panose="020B0500000000000000"/>
+              </a:rPr>
+              <a:t>   </a:t>
+            </a:r>
+            <a:r>
+              <a:rPr lang="zh-TW" altLang="en-US" sz="2400" dirty="0">
+                <a:ea typeface="思源黑體" panose="020B0500000000000000"/>
+              </a:rPr>
+              <a:t>：腳位</a:t>
+            </a:r>
+            <a:r>
+              <a:rPr lang="en-US" altLang="zh-TW" sz="2400" dirty="0">
+                <a:ea typeface="思源黑體" panose="020B0500000000000000"/>
+              </a:rPr>
+              <a:t>2</a:t>
+            </a:r>
+          </a:p>
+          <a:p>
+            <a:r>
+              <a:rPr lang="en-US" altLang="zh-TW" sz="2400" dirty="0">
+                <a:ea typeface="思源黑體" panose="020B0500000000000000"/>
+              </a:rPr>
+              <a:t>GND</a:t>
+            </a:r>
+            <a:r>
+              <a:rPr lang="zh-TW" altLang="en-US" sz="2400" dirty="0">
+                <a:ea typeface="思源黑體" panose="020B0500000000000000"/>
+              </a:rPr>
+              <a:t>：腳位</a:t>
+            </a:r>
+            <a:r>
+              <a:rPr lang="en-US" altLang="zh-TW" sz="2400" dirty="0" smtClean="0">
+                <a:ea typeface="思源黑體" panose="020B0500000000000000"/>
+              </a:rPr>
+              <a:t>6</a:t>
+            </a:r>
+          </a:p>
+          <a:p>
+            <a:r>
+              <a:rPr lang="zh-TW" altLang="en-US" sz="2400" dirty="0" smtClean="0">
+                <a:ea typeface="思源黑體" panose="020B0500000000000000"/>
+              </a:rPr>
+              <a:t>蜂鳴器</a:t>
+            </a:r>
+            <a:r>
+              <a:rPr lang="en-US" altLang="zh-TW" sz="2400" dirty="0" smtClean="0">
+                <a:ea typeface="思源黑體" panose="020B0500000000000000"/>
+              </a:rPr>
+              <a:t>I/O:GPIO4</a:t>
+            </a:r>
+            <a:endParaRPr lang="en-US" altLang="zh-TW" sz="2400" dirty="0">
+              <a:ea typeface="思源黑體" panose="020B0500000000000000"/>
+            </a:endParaRPr>
+          </a:p>
+          <a:p>
+            <a:r>
+              <a:rPr lang="zh-TW" altLang="en-US" sz="2400" dirty="0">
+                <a:ea typeface="思源黑體" panose="020B0500000000000000"/>
+              </a:rPr>
+              <a:t>按鍵</a:t>
+            </a:r>
+            <a:r>
+              <a:rPr lang="en-US" altLang="zh-TW" sz="2400" dirty="0">
+                <a:ea typeface="思源黑體" panose="020B0500000000000000"/>
+              </a:rPr>
+              <a:t>:GPIO17</a:t>
+            </a:r>
+          </a:p>
+          <a:p>
+            <a:endParaRPr lang="zh-TW" altLang="en-US" dirty="0"/>
+          </a:p>
+        </p:txBody>
+      </p:sp>
+      <p:sp>
+        <p:nvSpPr>
+          <p:cNvPr id="4" name="投影片編號版面配置區 3">
+            <a:extLst>
+              <a:ext uri="{FF2B5EF4-FFF2-40B4-BE49-F238E27FC236}">
+                <a16:creationId xmlns="" xmlns:a16="http://schemas.microsoft.com/office/drawing/2014/main" id="{3609CE93-3EBD-42F4-A920-474BD036FD15}"/>
+              </a:ext>
+            </a:extLst>
+          </p:cNvPr>
+          <p:cNvSpPr>
+            <a:spLocks noGrp="1"/>
+          </p:cNvSpPr>
+          <p:nvPr>
+            <p:ph type="sldNum" sz="quarter" idx="12"/>
+          </p:nvPr>
+        </p:nvSpPr>
+        <p:spPr/>
+        <p:txBody>
+          <a:bodyPr/>
+          <a:lstStyle/>
+          <a:p>
+            <a:fld id="{6EDA8E28-6C2D-4537-9849-59635519518D}" type="slidenum">
+              <a:rPr lang="zh-TW" altLang="en-US" smtClean="0"/>
+              <a:pPr/>
+              <a:t>8</a:t>
+            </a:fld>
+            <a:endParaRPr lang="zh-TW" altLang="en-US" dirty="0"/>
+          </a:p>
+        </p:txBody>
+      </p:sp>
+      <p:pic>
+        <p:nvPicPr>
+          <p:cNvPr id="5" name="圖片 4"/>
+          <p:cNvPicPr>
+            <a:picLocks noChangeAspect="1"/>
+          </p:cNvPicPr>
+          <p:nvPr/>
+        </p:nvPicPr>
+        <p:blipFill rotWithShape="1">
+          <a:blip r:embed="rId2">
+            <a:extLst>
+              <a:ext uri="{28A0092B-C50C-407E-A947-70E740481C1C}">
+                <a14:useLocalDpi xmlns:a14="http://schemas.microsoft.com/office/drawing/2010/main" val="0"/>
+              </a:ext>
+            </a:extLst>
+          </a:blip>
+          <a:srcRect r="39319" b="-5049"/>
+          <a:stretch/>
+        </p:blipFill>
+        <p:spPr>
+          <a:xfrm>
+            <a:off x="3755990" y="2435717"/>
+            <a:ext cx="4461084" cy="4285765"/>
+          </a:xfrm>
+          <a:prstGeom prst="rect">
+            <a:avLst/>
+          </a:prstGeom>
+        </p:spPr>
+      </p:pic>
+    </p:spTree>
+    <p:extLst>
+      <p:ext uri="{BB962C8B-B14F-4D97-AF65-F5344CB8AC3E}">
+        <p14:creationId xmlns:p14="http://schemas.microsoft.com/office/powerpoint/2010/main" val="452438406"/>
       </p:ext>
     </p:extLst>
   </p:cSld>
